--- a/slides/13-big-data.pptx
+++ b/slides/13-big-data.pptx
@@ -5,57 +5,56 @@
     <p:sldMasterId id="2147483852" r:id="rId1"/>
   </p:sldMasterIdLst>
   <p:notesMasterIdLst>
-    <p:notesMasterId r:id="rId50"/>
+    <p:notesMasterId r:id="rId49"/>
   </p:notesMasterIdLst>
   <p:sldIdLst>
     <p:sldId id="256" r:id="rId2"/>
-    <p:sldId id="583" r:id="rId3"/>
-    <p:sldId id="257" r:id="rId4"/>
-    <p:sldId id="265" r:id="rId5"/>
-    <p:sldId id="266" r:id="rId6"/>
-    <p:sldId id="376" r:id="rId7"/>
-    <p:sldId id="375" r:id="rId8"/>
-    <p:sldId id="387" r:id="rId9"/>
-    <p:sldId id="385" r:id="rId10"/>
-    <p:sldId id="386" r:id="rId11"/>
-    <p:sldId id="573" r:id="rId12"/>
-    <p:sldId id="574" r:id="rId13"/>
-    <p:sldId id="572" r:id="rId14"/>
-    <p:sldId id="418" r:id="rId15"/>
-    <p:sldId id="419" r:id="rId16"/>
-    <p:sldId id="420" r:id="rId17"/>
-    <p:sldId id="388" r:id="rId18"/>
-    <p:sldId id="390" r:id="rId19"/>
-    <p:sldId id="407" r:id="rId20"/>
-    <p:sldId id="392" r:id="rId21"/>
-    <p:sldId id="409" r:id="rId22"/>
-    <p:sldId id="413" r:id="rId23"/>
-    <p:sldId id="414" r:id="rId24"/>
-    <p:sldId id="410" r:id="rId25"/>
-    <p:sldId id="415" r:id="rId26"/>
-    <p:sldId id="416" r:id="rId27"/>
-    <p:sldId id="417" r:id="rId28"/>
-    <p:sldId id="397" r:id="rId29"/>
-    <p:sldId id="575" r:id="rId30"/>
-    <p:sldId id="576" r:id="rId31"/>
-    <p:sldId id="577" r:id="rId32"/>
-    <p:sldId id="578" r:id="rId33"/>
-    <p:sldId id="287" r:id="rId34"/>
-    <p:sldId id="289" r:id="rId35"/>
-    <p:sldId id="291" r:id="rId36"/>
-    <p:sldId id="292" r:id="rId37"/>
-    <p:sldId id="293" r:id="rId38"/>
-    <p:sldId id="581" r:id="rId39"/>
-    <p:sldId id="582" r:id="rId40"/>
-    <p:sldId id="294" r:id="rId41"/>
-    <p:sldId id="295" r:id="rId42"/>
-    <p:sldId id="297" r:id="rId43"/>
-    <p:sldId id="300" r:id="rId44"/>
-    <p:sldId id="301" r:id="rId45"/>
-    <p:sldId id="302" r:id="rId46"/>
-    <p:sldId id="584" r:id="rId47"/>
-    <p:sldId id="305" r:id="rId48"/>
-    <p:sldId id="306" r:id="rId49"/>
+    <p:sldId id="257" r:id="rId3"/>
+    <p:sldId id="265" r:id="rId4"/>
+    <p:sldId id="266" r:id="rId5"/>
+    <p:sldId id="376" r:id="rId6"/>
+    <p:sldId id="375" r:id="rId7"/>
+    <p:sldId id="387" r:id="rId8"/>
+    <p:sldId id="385" r:id="rId9"/>
+    <p:sldId id="386" r:id="rId10"/>
+    <p:sldId id="573" r:id="rId11"/>
+    <p:sldId id="574" r:id="rId12"/>
+    <p:sldId id="572" r:id="rId13"/>
+    <p:sldId id="418" r:id="rId14"/>
+    <p:sldId id="419" r:id="rId15"/>
+    <p:sldId id="420" r:id="rId16"/>
+    <p:sldId id="388" r:id="rId17"/>
+    <p:sldId id="390" r:id="rId18"/>
+    <p:sldId id="407" r:id="rId19"/>
+    <p:sldId id="392" r:id="rId20"/>
+    <p:sldId id="409" r:id="rId21"/>
+    <p:sldId id="413" r:id="rId22"/>
+    <p:sldId id="414" r:id="rId23"/>
+    <p:sldId id="410" r:id="rId24"/>
+    <p:sldId id="415" r:id="rId25"/>
+    <p:sldId id="416" r:id="rId26"/>
+    <p:sldId id="417" r:id="rId27"/>
+    <p:sldId id="397" r:id="rId28"/>
+    <p:sldId id="575" r:id="rId29"/>
+    <p:sldId id="576" r:id="rId30"/>
+    <p:sldId id="577" r:id="rId31"/>
+    <p:sldId id="578" r:id="rId32"/>
+    <p:sldId id="287" r:id="rId33"/>
+    <p:sldId id="289" r:id="rId34"/>
+    <p:sldId id="291" r:id="rId35"/>
+    <p:sldId id="292" r:id="rId36"/>
+    <p:sldId id="293" r:id="rId37"/>
+    <p:sldId id="581" r:id="rId38"/>
+    <p:sldId id="582" r:id="rId39"/>
+    <p:sldId id="294" r:id="rId40"/>
+    <p:sldId id="295" r:id="rId41"/>
+    <p:sldId id="297" r:id="rId42"/>
+    <p:sldId id="300" r:id="rId43"/>
+    <p:sldId id="301" r:id="rId44"/>
+    <p:sldId id="302" r:id="rId45"/>
+    <p:sldId id="584" r:id="rId46"/>
+    <p:sldId id="305" r:id="rId47"/>
+    <p:sldId id="306" r:id="rId48"/>
   </p:sldIdLst>
   <p:sldSz cx="12192000" cy="6858000"/>
   <p:notesSz cx="6858000" cy="9144000"/>
@@ -244,7 +243,7 @@
           <a:p>
             <a:fld id="{3CBB8A52-8AC5-C74C-97FB-632C448F3674}" type="datetimeFigureOut">
               <a:rPr lang="en-US" smtClean="0"/>
-              <a:t>11/18/24</a:t>
+              <a:t>11/25/24</a:t>
             </a:fld>
             <a:endParaRPr lang="en-US"/>
           </a:p>
@@ -620,7 +619,7 @@
             <a:fld id="{8F3D726F-AA01-4A9D-81D1-A09838CFA853}" type="slidenum">
               <a:rPr lang="en-US" smtClean="0"/>
               <a:pPr/>
-              <a:t>7</a:t>
+              <a:t>6</a:t>
             </a:fld>
             <a:endParaRPr lang="en-US"/>
           </a:p>
@@ -748,7 +747,7 @@
           <a:p>
             <a:fld id="{E666506D-5C9B-294C-B2AE-15ACE8B5B9F7}" type="slidenum">
               <a:rPr lang="en-US" smtClean="0"/>
-              <a:t>40</a:t>
+              <a:t>39</a:t>
             </a:fld>
             <a:endParaRPr lang="en-US"/>
           </a:p>
@@ -841,7 +840,7 @@
           <a:p>
             <a:fld id="{E666506D-5C9B-294C-B2AE-15ACE8B5B9F7}" type="slidenum">
               <a:rPr lang="en-US" smtClean="0"/>
-              <a:t>43</a:t>
+              <a:t>42</a:t>
             </a:fld>
             <a:endParaRPr lang="en-US"/>
           </a:p>
@@ -973,7 +972,7 @@
           <a:p>
             <a:fld id="{E666506D-5C9B-294C-B2AE-15ACE8B5B9F7}" type="slidenum">
               <a:rPr lang="en-US" smtClean="0"/>
-              <a:t>46</a:t>
+              <a:t>45</a:t>
             </a:fld>
             <a:endParaRPr lang="en-US"/>
           </a:p>
@@ -1057,7 +1056,7 @@
           <a:p>
             <a:fld id="{E666506D-5C9B-294C-B2AE-15ACE8B5B9F7}" type="slidenum">
               <a:rPr lang="en-US" smtClean="0"/>
-              <a:t>8</a:t>
+              <a:t>7</a:t>
             </a:fld>
             <a:endParaRPr lang="en-US"/>
           </a:p>
@@ -1141,7 +1140,7 @@
           <a:p>
             <a:fld id="{E666506D-5C9B-294C-B2AE-15ACE8B5B9F7}" type="slidenum">
               <a:rPr lang="en-US" smtClean="0"/>
-              <a:t>9</a:t>
+              <a:t>8</a:t>
             </a:fld>
             <a:endParaRPr lang="en-US"/>
           </a:p>
@@ -1228,7 +1227,7 @@
           <a:p>
             <a:fld id="{E666506D-5C9B-294C-B2AE-15ACE8B5B9F7}" type="slidenum">
               <a:rPr lang="en-US" smtClean="0"/>
-              <a:t>26</a:t>
+              <a:t>25</a:t>
             </a:fld>
             <a:endParaRPr lang="en-US"/>
           </a:p>
@@ -1322,7 +1321,7 @@
           <a:p>
             <a:fld id="{E666506D-5C9B-294C-B2AE-15ACE8B5B9F7}" type="slidenum">
               <a:rPr lang="en-US" smtClean="0"/>
-              <a:t>33</a:t>
+              <a:t>32</a:t>
             </a:fld>
             <a:endParaRPr lang="en-US"/>
           </a:p>
@@ -1423,7 +1422,7 @@
           <a:p>
             <a:fld id="{E666506D-5C9B-294C-B2AE-15ACE8B5B9F7}" type="slidenum">
               <a:rPr lang="en-US" smtClean="0"/>
-              <a:t>34</a:t>
+              <a:t>33</a:t>
             </a:fld>
             <a:endParaRPr lang="en-US"/>
           </a:p>
@@ -1522,7 +1521,7 @@
           <a:p>
             <a:fld id="{E666506D-5C9B-294C-B2AE-15ACE8B5B9F7}" type="slidenum">
               <a:rPr lang="en-US" smtClean="0"/>
-              <a:t>35</a:t>
+              <a:t>34</a:t>
             </a:fld>
             <a:endParaRPr lang="en-US"/>
           </a:p>
@@ -1633,7 +1632,7 @@
           <a:p>
             <a:fld id="{E666506D-5C9B-294C-B2AE-15ACE8B5B9F7}" type="slidenum">
               <a:rPr lang="en-US" smtClean="0"/>
-              <a:t>38</a:t>
+              <a:t>37</a:t>
             </a:fld>
             <a:endParaRPr lang="en-US"/>
           </a:p>
@@ -1744,7 +1743,7 @@
           <a:p>
             <a:fld id="{E666506D-5C9B-294C-B2AE-15ACE8B5B9F7}" type="slidenum">
               <a:rPr lang="en-US" smtClean="0"/>
-              <a:t>39</a:t>
+              <a:t>38</a:t>
             </a:fld>
             <a:endParaRPr lang="en-US"/>
           </a:p>
@@ -1988,7 +1987,7 @@
             <a:fld id="{5586B75A-687E-405C-8A0B-8D00578BA2C3}" type="datetimeFigureOut">
               <a:rPr lang="en-US" smtClean="0"/>
               <a:pPr/>
-              <a:t>11/18/24</a:t>
+              <a:t>11/25/24</a:t>
             </a:fld>
             <a:endParaRPr lang="en-US" dirty="0"/>
           </a:p>
@@ -2160,7 +2159,7 @@
             <a:fld id="{5586B75A-687E-405C-8A0B-8D00578BA2C3}" type="datetimeFigureOut">
               <a:rPr lang="en-US" smtClean="0"/>
               <a:pPr/>
-              <a:t>11/18/24</a:t>
+              <a:t>11/25/24</a:t>
             </a:fld>
             <a:endParaRPr lang="en-US" dirty="0"/>
           </a:p>
@@ -2342,7 +2341,7 @@
             <a:fld id="{5586B75A-687E-405C-8A0B-8D00578BA2C3}" type="datetimeFigureOut">
               <a:rPr lang="en-US" smtClean="0"/>
               <a:pPr/>
-              <a:t>11/18/24</a:t>
+              <a:t>11/25/24</a:t>
             </a:fld>
             <a:endParaRPr lang="en-US" dirty="0"/>
           </a:p>
@@ -2514,7 +2513,7 @@
             <a:fld id="{5586B75A-687E-405C-8A0B-8D00578BA2C3}" type="datetimeFigureOut">
               <a:rPr lang="en-US" smtClean="0"/>
               <a:pPr/>
-              <a:t>11/18/24</a:t>
+              <a:t>11/25/24</a:t>
             </a:fld>
             <a:endParaRPr lang="en-US" dirty="0"/>
           </a:p>
@@ -2770,7 +2769,7 @@
             <a:fld id="{5586B75A-687E-405C-8A0B-8D00578BA2C3}" type="datetimeFigureOut">
               <a:rPr lang="en-US" smtClean="0"/>
               <a:pPr/>
-              <a:t>11/18/24</a:t>
+              <a:t>11/25/24</a:t>
             </a:fld>
             <a:endParaRPr lang="en-US" dirty="0"/>
           </a:p>
@@ -3060,7 +3059,7 @@
             <a:fld id="{5586B75A-687E-405C-8A0B-8D00578BA2C3}" type="datetimeFigureOut">
               <a:rPr lang="en-US" smtClean="0"/>
               <a:pPr/>
-              <a:t>11/18/24</a:t>
+              <a:t>11/25/24</a:t>
             </a:fld>
             <a:endParaRPr lang="en-US" dirty="0"/>
           </a:p>
@@ -3504,7 +3503,7 @@
             <a:fld id="{5586B75A-687E-405C-8A0B-8D00578BA2C3}" type="datetimeFigureOut">
               <a:rPr lang="en-US" smtClean="0"/>
               <a:pPr/>
-              <a:t>11/18/24</a:t>
+              <a:t>11/25/24</a:t>
             </a:fld>
             <a:endParaRPr lang="en-US" dirty="0"/>
           </a:p>
@@ -3624,7 +3623,7 @@
             <a:fld id="{5586B75A-687E-405C-8A0B-8D00578BA2C3}" type="datetimeFigureOut">
               <a:rPr lang="en-US" smtClean="0"/>
               <a:pPr/>
-              <a:t>11/18/24</a:t>
+              <a:t>11/25/24</a:t>
             </a:fld>
             <a:endParaRPr lang="en-US" dirty="0"/>
           </a:p>
@@ -3721,7 +3720,7 @@
             <a:fld id="{5586B75A-687E-405C-8A0B-8D00578BA2C3}" type="datetimeFigureOut">
               <a:rPr lang="en-US" smtClean="0"/>
               <a:pPr/>
-              <a:t>11/18/24</a:t>
+              <a:t>11/25/24</a:t>
             </a:fld>
             <a:endParaRPr lang="en-US" dirty="0"/>
           </a:p>
@@ -4011,7 +4010,7 @@
             <a:fld id="{5586B75A-687E-405C-8A0B-8D00578BA2C3}" type="datetimeFigureOut">
               <a:rPr lang="en-US" smtClean="0"/>
               <a:pPr/>
-              <a:t>11/18/24</a:t>
+              <a:t>11/25/24</a:t>
             </a:fld>
             <a:endParaRPr lang="en-US" dirty="0"/>
           </a:p>
@@ -4286,7 +4285,7 @@
             <a:fld id="{5586B75A-687E-405C-8A0B-8D00578BA2C3}" type="datetimeFigureOut">
               <a:rPr lang="en-US" smtClean="0"/>
               <a:pPr/>
-              <a:t>11/18/24</a:t>
+              <a:t>11/25/24</a:t>
             </a:fld>
             <a:endParaRPr lang="en-US" dirty="0"/>
           </a:p>
@@ -4585,7 +4584,7 @@
             <a:fld id="{5586B75A-687E-405C-8A0B-8D00578BA2C3}" type="datetimeFigureOut">
               <a:rPr lang="en-US" smtClean="0"/>
               <a:pPr/>
-              <a:t>11/18/24</a:t>
+              <a:t>11/25/24</a:t>
             </a:fld>
             <a:endParaRPr lang="en-US" dirty="0"/>
           </a:p>
@@ -5190,257 +5189,6 @@
   <p:cSld>
     <p:spTree>
       <p:nvGrpSpPr>
-        <p:cNvPr id="1" name=""/>
-        <p:cNvGrpSpPr/>
-        <p:nvPr/>
-      </p:nvGrpSpPr>
-      <p:grpSpPr>
-        <a:xfrm>
-          <a:off x="0" y="0"/>
-          <a:ext cx="0" cy="0"/>
-          <a:chOff x="0" y="0"/>
-          <a:chExt cx="0" cy="0"/>
-        </a:xfrm>
-      </p:grpSpPr>
-      <p:sp>
-        <p:nvSpPr>
-          <p:cNvPr id="2" name="Title 1"/>
-          <p:cNvSpPr>
-            <a:spLocks noGrp="1"/>
-          </p:cNvSpPr>
-          <p:nvPr>
-            <p:ph type="title"/>
-          </p:nvPr>
-        </p:nvSpPr>
-        <p:spPr/>
-        <p:txBody>
-          <a:bodyPr/>
-          <a:lstStyle/>
-          <a:p>
-            <a:r>
-              <a:rPr lang="en-US" dirty="0"/>
-              <a:t>Dealing with Many Dimensions</a:t>
-            </a:r>
-          </a:p>
-        </p:txBody>
-      </p:sp>
-      <p:sp>
-        <p:nvSpPr>
-          <p:cNvPr id="3" name="Content Placeholder 2"/>
-          <p:cNvSpPr>
-            <a:spLocks noGrp="1"/>
-          </p:cNvSpPr>
-          <p:nvPr>
-            <p:ph idx="1"/>
-          </p:nvPr>
-        </p:nvSpPr>
-        <p:spPr>
-          <a:xfrm>
-            <a:off x="3869268" y="864108"/>
-            <a:ext cx="7768550" cy="5120640"/>
-          </a:xfrm>
-        </p:spPr>
-        <p:txBody>
-          <a:bodyPr anchor="t">
-            <a:normAutofit/>
-          </a:bodyPr>
-          <a:lstStyle/>
-          <a:p>
-            <a:r>
-              <a:rPr lang="en-US" sz="2800" b="1" dirty="0"/>
-              <a:t>Current situation</a:t>
-            </a:r>
-            <a:r>
-              <a:rPr lang="en-US" sz="2800" dirty="0"/>
-              <a:t>: our data live in </a:t>
-            </a:r>
-            <a:r>
-              <a:rPr lang="en-US" sz="2800" i="1" dirty="0"/>
-              <a:t>p</a:t>
-            </a:r>
-            <a:r>
-              <a:rPr lang="en-US" sz="2800" dirty="0"/>
-              <a:t>-dimensional space where p &gt;&gt; # visual channels</a:t>
-            </a:r>
-          </a:p>
-          <a:p>
-            <a:endParaRPr lang="en-US" sz="2800" b="1" dirty="0"/>
-          </a:p>
-          <a:p>
-            <a:r>
-              <a:rPr lang="en-US" sz="2800" dirty="0"/>
-              <a:t>Odds are not all dimensions are equally useful</a:t>
-            </a:r>
-          </a:p>
-          <a:p>
-            <a:pPr marL="0" indent="0">
-              <a:buNone/>
-            </a:pPr>
-            <a:r>
-              <a:rPr lang="en-US" sz="2800" dirty="0">
-                <a:sym typeface="Wingdings" pitchFamily="2" charset="2"/>
-              </a:rPr>
-              <a:t> w</a:t>
-            </a:r>
-            <a:r>
-              <a:rPr lang="en-US" sz="2800" dirty="0"/>
-              <a:t>e can reduce the number of dimensions without loosing too much valuable information  </a:t>
-            </a:r>
-          </a:p>
-          <a:p>
-            <a:endParaRPr lang="en-US" sz="2800" b="1" dirty="0"/>
-          </a:p>
-          <a:p>
-            <a:endParaRPr lang="en-US" sz="2800" b="1" dirty="0"/>
-          </a:p>
-        </p:txBody>
-      </p:sp>
-    </p:spTree>
-    <p:extLst>
-      <p:ext uri="{BB962C8B-B14F-4D97-AF65-F5344CB8AC3E}">
-        <p14:creationId xmlns:p14="http://schemas.microsoft.com/office/powerpoint/2010/main" val="3262929509"/>
-      </p:ext>
-    </p:extLst>
-  </p:cSld>
-  <p:clrMapOvr>
-    <a:masterClrMapping/>
-  </p:clrMapOvr>
-  <p:timing>
-    <p:tnLst>
-      <p:par>
-        <p:cTn id="1" dur="indefinite" restart="never" nodeType="tmRoot">
-          <p:childTnLst>
-            <p:seq concurrent="1" nextAc="seek">
-              <p:cTn id="2" dur="indefinite" nodeType="mainSeq">
-                <p:childTnLst>
-                  <p:par>
-                    <p:cTn id="3" fill="hold">
-                      <p:stCondLst>
-                        <p:cond delay="indefinite"/>
-                      </p:stCondLst>
-                      <p:childTnLst>
-                        <p:par>
-                          <p:cTn id="4" fill="hold">
-                            <p:stCondLst>
-                              <p:cond delay="0"/>
-                            </p:stCondLst>
-                            <p:childTnLst>
-                              <p:par>
-                                <p:cTn id="5" presetID="1" presetClass="entr" presetSubtype="0" fill="hold" nodeType="clickEffect">
-                                  <p:stCondLst>
-                                    <p:cond delay="0"/>
-                                  </p:stCondLst>
-                                  <p:childTnLst>
-                                    <p:set>
-                                      <p:cBhvr>
-                                        <p:cTn id="6" dur="1" fill="hold">
-                                          <p:stCondLst>
-                                            <p:cond delay="0"/>
-                                          </p:stCondLst>
-                                        </p:cTn>
-                                        <p:tgtEl>
-                                          <p:spTgt spid="3">
-                                            <p:txEl>
-                                              <p:pRg st="2" end="2"/>
-                                            </p:txEl>
-                                          </p:spTgt>
-                                        </p:tgtEl>
-                                        <p:attrNameLst>
-                                          <p:attrName>style.visibility</p:attrName>
-                                        </p:attrNameLst>
-                                      </p:cBhvr>
-                                      <p:to>
-                                        <p:strVal val="visible"/>
-                                      </p:to>
-                                    </p:set>
-                                  </p:childTnLst>
-                                </p:cTn>
-                              </p:par>
-                            </p:childTnLst>
-                          </p:cTn>
-                        </p:par>
-                      </p:childTnLst>
-                    </p:cTn>
-                  </p:par>
-                  <p:par>
-                    <p:cTn id="7" fill="hold">
-                      <p:stCondLst>
-                        <p:cond delay="indefinite"/>
-                      </p:stCondLst>
-                      <p:childTnLst>
-                        <p:par>
-                          <p:cTn id="8" fill="hold">
-                            <p:stCondLst>
-                              <p:cond delay="0"/>
-                            </p:stCondLst>
-                            <p:childTnLst>
-                              <p:par>
-                                <p:cTn id="9" presetID="1" presetClass="entr" presetSubtype="0" fill="hold" nodeType="clickEffect">
-                                  <p:stCondLst>
-                                    <p:cond delay="0"/>
-                                  </p:stCondLst>
-                                  <p:childTnLst>
-                                    <p:set>
-                                      <p:cBhvr>
-                                        <p:cTn id="10" dur="1" fill="hold">
-                                          <p:stCondLst>
-                                            <p:cond delay="0"/>
-                                          </p:stCondLst>
-                                        </p:cTn>
-                                        <p:tgtEl>
-                                          <p:spTgt spid="3">
-                                            <p:txEl>
-                                              <p:pRg st="3" end="3"/>
-                                            </p:txEl>
-                                          </p:spTgt>
-                                        </p:tgtEl>
-                                        <p:attrNameLst>
-                                          <p:attrName>style.visibility</p:attrName>
-                                        </p:attrNameLst>
-                                      </p:cBhvr>
-                                      <p:to>
-                                        <p:strVal val="visible"/>
-                                      </p:to>
-                                    </p:set>
-                                  </p:childTnLst>
-                                </p:cTn>
-                              </p:par>
-                            </p:childTnLst>
-                          </p:cTn>
-                        </p:par>
-                      </p:childTnLst>
-                    </p:cTn>
-                  </p:par>
-                </p:childTnLst>
-              </p:cTn>
-              <p:prevCondLst>
-                <p:cond evt="onPrev" delay="0">
-                  <p:tgtEl>
-                    <p:sldTgt/>
-                  </p:tgtEl>
-                </p:cond>
-              </p:prevCondLst>
-              <p:nextCondLst>
-                <p:cond evt="onNext" delay="0">
-                  <p:tgtEl>
-                    <p:sldTgt/>
-                  </p:tgtEl>
-                </p:cond>
-              </p:nextCondLst>
-            </p:seq>
-          </p:childTnLst>
-        </p:cTn>
-      </p:par>
-    </p:tnLst>
-  </p:timing>
-</p:sld>
-</file>
-
-<file path=ppt/slides/slide11.xml><?xml version="1.0" encoding="utf-8"?>
-<p:sld xmlns:a="http://schemas.openxmlformats.org/drawingml/2006/main" xmlns:r="http://schemas.openxmlformats.org/officeDocument/2006/relationships" xmlns:p="http://schemas.openxmlformats.org/presentationml/2006/main">
-  <p:cSld>
-    <p:spTree>
-      <p:nvGrpSpPr>
         <p:cNvPr id="1" name="">
           <a:extLst>
             <a:ext uri="{FF2B5EF4-FFF2-40B4-BE49-F238E27FC236}">
@@ -5894,7 +5642,7 @@
 </p:sld>
 </file>
 
-<file path=ppt/slides/slide12.xml><?xml version="1.0" encoding="utf-8"?>
+<file path=ppt/slides/slide11.xml><?xml version="1.0" encoding="utf-8"?>
 <p:sld xmlns:a="http://schemas.openxmlformats.org/drawingml/2006/main" xmlns:r="http://schemas.openxmlformats.org/officeDocument/2006/relationships" xmlns:p="http://schemas.openxmlformats.org/presentationml/2006/main">
   <p:cSld>
     <p:spTree>
@@ -6308,7 +6056,7 @@
 </p:sld>
 </file>
 
-<file path=ppt/slides/slide13.xml><?xml version="1.0" encoding="utf-8"?>
+<file path=ppt/slides/slide12.xml><?xml version="1.0" encoding="utf-8"?>
 <p:sld xmlns:a="http://schemas.openxmlformats.org/drawingml/2006/main" xmlns:r="http://schemas.openxmlformats.org/officeDocument/2006/relationships" xmlns:p="http://schemas.openxmlformats.org/presentationml/2006/main">
   <p:cSld>
     <p:spTree>
@@ -6393,7 +6141,7 @@
 </p:sld>
 </file>
 
-<file path=ppt/slides/slide14.xml><?xml version="1.0" encoding="utf-8"?>
+<file path=ppt/slides/slide13.xml><?xml version="1.0" encoding="utf-8"?>
 <p:sld xmlns:a="http://schemas.openxmlformats.org/drawingml/2006/main" xmlns:r="http://schemas.openxmlformats.org/officeDocument/2006/relationships" xmlns:p="http://schemas.openxmlformats.org/presentationml/2006/main">
   <p:cSld>
     <p:spTree>
@@ -6591,7 +6339,7 @@
 </p:sld>
 </file>
 
-<file path=ppt/slides/slide15.xml><?xml version="1.0" encoding="utf-8"?>
+<file path=ppt/slides/slide14.xml><?xml version="1.0" encoding="utf-8"?>
 <p:sld xmlns:a="http://schemas.openxmlformats.org/drawingml/2006/main" xmlns:r="http://schemas.openxmlformats.org/officeDocument/2006/relationships" xmlns:p="http://schemas.openxmlformats.org/presentationml/2006/main">
   <p:cSld>
     <p:spTree>
@@ -9341,7 +9089,7 @@
 </p:sld>
 </file>
 
-<file path=ppt/slides/slide16.xml><?xml version="1.0" encoding="utf-8"?>
+<file path=ppt/slides/slide15.xml><?xml version="1.0" encoding="utf-8"?>
 <p:sld xmlns:a="http://schemas.openxmlformats.org/drawingml/2006/main" xmlns:r="http://schemas.openxmlformats.org/officeDocument/2006/relationships" xmlns:p="http://schemas.openxmlformats.org/presentationml/2006/main">
   <p:cSld>
     <p:spTree>
@@ -11642,7 +11390,7 @@
 </p:sld>
 </file>
 
-<file path=ppt/slides/slide17.xml><?xml version="1.0" encoding="utf-8"?>
+<file path=ppt/slides/slide16.xml><?xml version="1.0" encoding="utf-8"?>
 <p:sld xmlns:a="http://schemas.openxmlformats.org/drawingml/2006/main" xmlns:r="http://schemas.openxmlformats.org/officeDocument/2006/relationships" xmlns:p="http://schemas.openxmlformats.org/presentationml/2006/main">
   <p:cSld>
     <p:spTree>
@@ -11681,8 +11429,8 @@
           </a:p>
         </p:txBody>
       </p:sp>
-      <mc:AlternateContent xmlns:mc="http://schemas.openxmlformats.org/markup-compatibility/2006">
-        <mc:Choice xmlns:a14="http://schemas.microsoft.com/office/drawing/2010/main" Requires="a14">
+      <mc:AlternateContent xmlns:mc="http://schemas.openxmlformats.org/markup-compatibility/2006" xmlns:a14="http://schemas.microsoft.com/office/drawing/2010/main">
+        <mc:Choice Requires="a14">
           <p:sp>
             <p:nvSpPr>
               <p:cNvPr id="3" name="Content Placeholder 2"/>
@@ -12262,7 +12010,7 @@
             </p:txBody>
           </p:sp>
         </mc:Choice>
-        <mc:Fallback>
+        <mc:Fallback xmlns="">
           <p:sp>
             <p:nvSpPr>
               <p:cNvPr id="3" name="Content Placeholder 2"/>
@@ -12329,8 +12077,8 @@
           </a:prstGeom>
         </p:spPr>
       </p:pic>
-      <mc:AlternateContent xmlns:mc="http://schemas.openxmlformats.org/markup-compatibility/2006">
-        <mc:Choice xmlns:a14="http://schemas.microsoft.com/office/drawing/2010/main" Requires="a14">
+      <mc:AlternateContent xmlns:mc="http://schemas.openxmlformats.org/markup-compatibility/2006" xmlns:a14="http://schemas.microsoft.com/office/drawing/2010/main">
+        <mc:Choice Requires="a14">
           <p:sp>
             <p:nvSpPr>
               <p:cNvPr id="5" name="TextBox 4">
@@ -12359,6 +12107,7 @@
               </a:bodyPr>
               <a:lstStyle/>
               <a:p>
+                <a:pPr/>
                 <a14:m>
                   <m:oMathPara xmlns:m="http://schemas.openxmlformats.org/officeDocument/2006/math">
                     <m:oMathParaPr>
@@ -12398,7 +12147,7 @@
             </p:txBody>
           </p:sp>
         </mc:Choice>
-        <mc:Fallback>
+        <mc:Fallback xmlns="">
           <p:sp>
             <p:nvSpPr>
               <p:cNvPr id="5" name="TextBox 4">
@@ -12443,8 +12192,8 @@
           </p:sp>
         </mc:Fallback>
       </mc:AlternateContent>
-      <mc:AlternateContent xmlns:mc="http://schemas.openxmlformats.org/markup-compatibility/2006">
-        <mc:Choice xmlns:a14="http://schemas.microsoft.com/office/drawing/2010/main" Requires="a14">
+      <mc:AlternateContent xmlns:mc="http://schemas.openxmlformats.org/markup-compatibility/2006" xmlns:a14="http://schemas.microsoft.com/office/drawing/2010/main">
+        <mc:Choice Requires="a14">
           <p:sp>
             <p:nvSpPr>
               <p:cNvPr id="6" name="TextBox 5">
@@ -12473,6 +12222,7 @@
               </a:bodyPr>
               <a:lstStyle/>
               <a:p>
+                <a:pPr/>
                 <a14:m>
                   <m:oMathPara xmlns:m="http://schemas.openxmlformats.org/officeDocument/2006/math">
                     <m:oMathParaPr>
@@ -12512,7 +12262,7 @@
             </p:txBody>
           </p:sp>
         </mc:Choice>
-        <mc:Fallback>
+        <mc:Fallback xmlns="">
           <p:sp>
             <p:nvSpPr>
               <p:cNvPr id="6" name="TextBox 5">
@@ -14831,8 +14581,8 @@
           </p:txBody>
         </p:sp>
       </p:grpSp>
-      <mc:AlternateContent xmlns:mc="http://schemas.openxmlformats.org/markup-compatibility/2006">
-        <mc:Choice xmlns:a14="http://schemas.microsoft.com/office/drawing/2010/main" Requires="a14">
+      <mc:AlternateContent xmlns:mc="http://schemas.openxmlformats.org/markup-compatibility/2006" xmlns:a14="http://schemas.microsoft.com/office/drawing/2010/main">
+        <mc:Choice Requires="a14">
           <p:sp>
             <p:nvSpPr>
               <p:cNvPr id="56" name="TextBox 55">
@@ -14861,6 +14611,7 @@
               </a:bodyPr>
               <a:lstStyle/>
               <a:p>
+                <a:pPr/>
                 <a14:m>
                   <m:oMathPara xmlns:m="http://schemas.openxmlformats.org/officeDocument/2006/math">
                     <m:oMathParaPr>
@@ -14900,7 +14651,7 @@
             </p:txBody>
           </p:sp>
         </mc:Choice>
-        <mc:Fallback>
+        <mc:Fallback xmlns="">
           <p:sp>
             <p:nvSpPr>
               <p:cNvPr id="56" name="TextBox 55">
@@ -15241,7 +14992,7 @@
 </p:sld>
 </file>
 
-<file path=ppt/slides/slide18.xml><?xml version="1.0" encoding="utf-8"?>
+<file path=ppt/slides/slide17.xml><?xml version="1.0" encoding="utf-8"?>
 <p:sld xmlns:a="http://schemas.openxmlformats.org/drawingml/2006/main" xmlns:r="http://schemas.openxmlformats.org/officeDocument/2006/relationships" xmlns:p="http://schemas.openxmlformats.org/presentationml/2006/main">
   <p:cSld>
     <p:spTree>
@@ -16522,7 +16273,7 @@
 </p:sld>
 </file>
 
-<file path=ppt/slides/slide19.xml><?xml version="1.0" encoding="utf-8"?>
+<file path=ppt/slides/slide18.xml><?xml version="1.0" encoding="utf-8"?>
 <p:sld xmlns:a="http://schemas.openxmlformats.org/drawingml/2006/main" xmlns:r="http://schemas.openxmlformats.org/officeDocument/2006/relationships" xmlns:p="http://schemas.openxmlformats.org/presentationml/2006/main">
   <p:cSld>
     <p:spTree>
@@ -16619,126 +16370,7 @@
 </p:sld>
 </file>
 
-<file path=ppt/slides/slide2.xml><?xml version="1.0" encoding="utf-8"?>
-<p:sld xmlns:a="http://schemas.openxmlformats.org/drawingml/2006/main" xmlns:r="http://schemas.openxmlformats.org/officeDocument/2006/relationships" xmlns:p="http://schemas.openxmlformats.org/presentationml/2006/main">
-  <p:cSld>
-    <p:spTree>
-      <p:nvGrpSpPr>
-        <p:cNvPr id="1" name="">
-          <a:extLst>
-            <a:ext uri="{FF2B5EF4-FFF2-40B4-BE49-F238E27FC236}">
-              <a16:creationId xmlns:a16="http://schemas.microsoft.com/office/drawing/2014/main" id="{393FCACA-91D4-D2ED-6B80-5A68216BAD66}"/>
-            </a:ext>
-          </a:extLst>
-        </p:cNvPr>
-        <p:cNvGrpSpPr/>
-        <p:nvPr/>
-      </p:nvGrpSpPr>
-      <p:grpSpPr>
-        <a:xfrm>
-          <a:off x="0" y="0"/>
-          <a:ext cx="0" cy="0"/>
-          <a:chOff x="0" y="0"/>
-          <a:chExt cx="0" cy="0"/>
-        </a:xfrm>
-      </p:grpSpPr>
-      <p:sp>
-        <p:nvSpPr>
-          <p:cNvPr id="2" name="Title 1">
-            <a:extLst>
-              <a:ext uri="{FF2B5EF4-FFF2-40B4-BE49-F238E27FC236}">
-                <a16:creationId xmlns:a16="http://schemas.microsoft.com/office/drawing/2014/main" id="{25F5D3AB-7D85-45BD-DEDC-FA6E6CA32880}"/>
-              </a:ext>
-            </a:extLst>
-          </p:cNvPr>
-          <p:cNvSpPr>
-            <a:spLocks noGrp="1"/>
-          </p:cNvSpPr>
-          <p:nvPr>
-            <p:ph type="title"/>
-          </p:nvPr>
-        </p:nvSpPr>
-        <p:spPr/>
-        <p:txBody>
-          <a:bodyPr/>
-          <a:lstStyle/>
-          <a:p>
-            <a:r>
-              <a:rPr lang="en-US" dirty="0"/>
-              <a:t>Reminder</a:t>
-            </a:r>
-          </a:p>
-        </p:txBody>
-      </p:sp>
-      <p:sp>
-        <p:nvSpPr>
-          <p:cNvPr id="3" name="Content Placeholder 2">
-            <a:extLst>
-              <a:ext uri="{FF2B5EF4-FFF2-40B4-BE49-F238E27FC236}">
-                <a16:creationId xmlns:a16="http://schemas.microsoft.com/office/drawing/2014/main" id="{E3C40178-34BB-E9D5-5CDF-D5FB9AD25523}"/>
-              </a:ext>
-            </a:extLst>
-          </p:cNvPr>
-          <p:cNvSpPr>
-            <a:spLocks noGrp="1"/>
-          </p:cNvSpPr>
-          <p:nvPr>
-            <p:ph idx="1"/>
-          </p:nvPr>
-        </p:nvSpPr>
-        <p:spPr/>
-        <p:txBody>
-          <a:bodyPr>
-            <a:normAutofit/>
-          </a:bodyPr>
-          <a:lstStyle/>
-          <a:p>
-            <a:pPr marL="355600" indent="-342900">
-              <a:lnSpc>
-                <a:spcPct val="100000"/>
-              </a:lnSpc>
-              <a:spcBef>
-                <a:spcPts val="1225"/>
-              </a:spcBef>
-              <a:buClr>
-                <a:schemeClr val="tx1">
-                  <a:lumMod val="75000"/>
-                  <a:lumOff val="25000"/>
-                </a:schemeClr>
-              </a:buClr>
-              <a:buSzPct val="80000"/>
-              <a:buFont typeface="Arial" panose="020B0604020202020204" pitchFamily="34" charset="0"/>
-              <a:buChar char="•"/>
-              <a:tabLst>
-                <a:tab pos="194310" algn="l"/>
-              </a:tabLst>
-            </a:pPr>
-            <a:r>
-              <a:rPr lang="en-US" sz="2400" dirty="0">
-                <a:cs typeface="Arial"/>
-              </a:rPr>
-              <a:t>Be prepared for prototype testing in class on Thursday!</a:t>
-            </a:r>
-            <a:endParaRPr lang="en-US" sz="2200" dirty="0">
-              <a:cs typeface="Arial"/>
-            </a:endParaRPr>
-          </a:p>
-        </p:txBody>
-      </p:sp>
-    </p:spTree>
-    <p:extLst>
-      <p:ext uri="{BB962C8B-B14F-4D97-AF65-F5344CB8AC3E}">
-        <p14:creationId xmlns:p14="http://schemas.microsoft.com/office/powerpoint/2010/main" val="4165084211"/>
-      </p:ext>
-    </p:extLst>
-  </p:cSld>
-  <p:clrMapOvr>
-    <a:masterClrMapping/>
-  </p:clrMapOvr>
-</p:sld>
-</file>
-
-<file path=ppt/slides/slide20.xml><?xml version="1.0" encoding="utf-8"?>
+<file path=ppt/slides/slide19.xml><?xml version="1.0" encoding="utf-8"?>
 <p:sld xmlns:a="http://schemas.openxmlformats.org/drawingml/2006/main" xmlns:r="http://schemas.openxmlformats.org/officeDocument/2006/relationships" xmlns:p="http://schemas.openxmlformats.org/presentationml/2006/main">
   <p:cSld>
     <p:spTree>
@@ -16851,7 +16483,229 @@
 </p:sld>
 </file>
 
-<file path=ppt/slides/slide21.xml><?xml version="1.0" encoding="utf-8"?>
+<file path=ppt/slides/slide2.xml><?xml version="1.0" encoding="utf-8"?>
+<p:sld xmlns:a="http://schemas.openxmlformats.org/drawingml/2006/main" xmlns:r="http://schemas.openxmlformats.org/officeDocument/2006/relationships" xmlns:p="http://schemas.openxmlformats.org/presentationml/2006/main">
+  <p:cSld>
+    <p:spTree>
+      <p:nvGrpSpPr>
+        <p:cNvPr id="1" name=""/>
+        <p:cNvGrpSpPr/>
+        <p:nvPr/>
+      </p:nvGrpSpPr>
+      <p:grpSpPr>
+        <a:xfrm>
+          <a:off x="0" y="0"/>
+          <a:ext cx="0" cy="0"/>
+          <a:chOff x="0" y="0"/>
+          <a:chExt cx="0" cy="0"/>
+        </a:xfrm>
+      </p:grpSpPr>
+      <p:sp>
+        <p:nvSpPr>
+          <p:cNvPr id="2" name="Title 1">
+            <a:extLst>
+              <a:ext uri="{FF2B5EF4-FFF2-40B4-BE49-F238E27FC236}">
+                <a16:creationId xmlns:a16="http://schemas.microsoft.com/office/drawing/2014/main" id="{10D330C2-52A4-1ABA-980B-56FBC97F350C}"/>
+              </a:ext>
+            </a:extLst>
+          </p:cNvPr>
+          <p:cNvSpPr>
+            <a:spLocks noGrp="1"/>
+          </p:cNvSpPr>
+          <p:nvPr>
+            <p:ph type="title"/>
+          </p:nvPr>
+        </p:nvSpPr>
+        <p:spPr/>
+        <p:txBody>
+          <a:bodyPr/>
+          <a:lstStyle/>
+          <a:p>
+            <a:r>
+              <a:rPr lang="en-US" dirty="0"/>
+              <a:t>Plan for Today</a:t>
+            </a:r>
+          </a:p>
+        </p:txBody>
+      </p:sp>
+      <p:sp>
+        <p:nvSpPr>
+          <p:cNvPr id="3" name="Content Placeholder 2">
+            <a:extLst>
+              <a:ext uri="{FF2B5EF4-FFF2-40B4-BE49-F238E27FC236}">
+                <a16:creationId xmlns:a16="http://schemas.microsoft.com/office/drawing/2014/main" id="{9EAE50F6-429C-715A-C25C-1C7744AED1CF}"/>
+              </a:ext>
+            </a:extLst>
+          </p:cNvPr>
+          <p:cNvSpPr>
+            <a:spLocks noGrp="1"/>
+          </p:cNvSpPr>
+          <p:nvPr>
+            <p:ph idx="1"/>
+          </p:nvPr>
+        </p:nvSpPr>
+        <p:spPr/>
+        <p:txBody>
+          <a:bodyPr>
+            <a:normAutofit/>
+          </a:bodyPr>
+          <a:lstStyle/>
+          <a:p>
+            <a:pPr marL="355600" indent="-342900">
+              <a:lnSpc>
+                <a:spcPct val="100000"/>
+              </a:lnSpc>
+              <a:spcBef>
+                <a:spcPts val="1225"/>
+              </a:spcBef>
+              <a:buClr>
+                <a:schemeClr val="tx1">
+                  <a:lumMod val="75000"/>
+                  <a:lumOff val="25000"/>
+                </a:schemeClr>
+              </a:buClr>
+              <a:buSzPct val="80000"/>
+              <a:buFont typeface="Arial" panose="020B0604020202020204" pitchFamily="34" charset="0"/>
+              <a:buChar char="•"/>
+              <a:tabLst>
+                <a:tab pos="194310" algn="l"/>
+              </a:tabLst>
+            </a:pPr>
+            <a:r>
+              <a:rPr lang="en-US" sz="2400" dirty="0">
+                <a:cs typeface="Arial"/>
+              </a:rPr>
+              <a:t>Dimension Reduction Techniques </a:t>
+            </a:r>
+          </a:p>
+          <a:p>
+            <a:pPr marL="858520" lvl="1" indent="-342900">
+              <a:lnSpc>
+                <a:spcPct val="100000"/>
+              </a:lnSpc>
+              <a:spcBef>
+                <a:spcPts val="1225"/>
+              </a:spcBef>
+              <a:buClr>
+                <a:schemeClr val="tx1">
+                  <a:lumMod val="75000"/>
+                  <a:lumOff val="25000"/>
+                </a:schemeClr>
+              </a:buClr>
+              <a:buSzPct val="80000"/>
+              <a:buFont typeface="Arial" panose="020B0604020202020204" pitchFamily="34" charset="0"/>
+              <a:buChar char="•"/>
+              <a:tabLst>
+                <a:tab pos="194310" algn="l"/>
+              </a:tabLst>
+            </a:pPr>
+            <a:r>
+              <a:rPr lang="en-US" sz="2200" dirty="0">
+                <a:cs typeface="Arial"/>
+              </a:rPr>
+              <a:t>PCA </a:t>
+            </a:r>
+          </a:p>
+          <a:p>
+            <a:pPr marL="858520" lvl="1" indent="-342900">
+              <a:lnSpc>
+                <a:spcPct val="100000"/>
+              </a:lnSpc>
+              <a:spcBef>
+                <a:spcPts val="1225"/>
+              </a:spcBef>
+              <a:buClr>
+                <a:schemeClr val="tx1">
+                  <a:lumMod val="75000"/>
+                  <a:lumOff val="25000"/>
+                </a:schemeClr>
+              </a:buClr>
+              <a:buSzPct val="80000"/>
+              <a:buFont typeface="Arial" panose="020B0604020202020204" pitchFamily="34" charset="0"/>
+              <a:buChar char="•"/>
+              <a:tabLst>
+                <a:tab pos="194310" algn="l"/>
+              </a:tabLst>
+            </a:pPr>
+            <a:r>
+              <a:rPr lang="en-US" sz="2200" dirty="0">
+                <a:cs typeface="Arial"/>
+              </a:rPr>
+              <a:t>MDS</a:t>
+            </a:r>
+          </a:p>
+          <a:p>
+            <a:pPr marL="858520" lvl="1" indent="-342900">
+              <a:lnSpc>
+                <a:spcPct val="100000"/>
+              </a:lnSpc>
+              <a:spcBef>
+                <a:spcPts val="1225"/>
+              </a:spcBef>
+              <a:buClr>
+                <a:schemeClr val="tx1">
+                  <a:lumMod val="75000"/>
+                  <a:lumOff val="25000"/>
+                </a:schemeClr>
+              </a:buClr>
+              <a:buSzPct val="80000"/>
+              <a:buFont typeface="Arial" panose="020B0604020202020204" pitchFamily="34" charset="0"/>
+              <a:buChar char="•"/>
+              <a:tabLst>
+                <a:tab pos="194310" algn="l"/>
+              </a:tabLst>
+            </a:pPr>
+            <a:r>
+              <a:rPr lang="en-US" sz="2200" dirty="0">
+                <a:cs typeface="Arial"/>
+              </a:rPr>
+              <a:t>t-SNE</a:t>
+            </a:r>
+          </a:p>
+          <a:p>
+            <a:pPr marL="858520" lvl="1" indent="-342900">
+              <a:lnSpc>
+                <a:spcPct val="100000"/>
+              </a:lnSpc>
+              <a:spcBef>
+                <a:spcPts val="1225"/>
+              </a:spcBef>
+              <a:buClr>
+                <a:schemeClr val="tx1">
+                  <a:lumMod val="75000"/>
+                  <a:lumOff val="25000"/>
+                </a:schemeClr>
+              </a:buClr>
+              <a:buSzPct val="80000"/>
+              <a:buFont typeface="Arial" panose="020B0604020202020204" pitchFamily="34" charset="0"/>
+              <a:buChar char="•"/>
+              <a:tabLst>
+                <a:tab pos="194310" algn="l"/>
+              </a:tabLst>
+            </a:pPr>
+            <a:r>
+              <a:rPr lang="en-US" sz="2200" dirty="0">
+                <a:cs typeface="Arial"/>
+              </a:rPr>
+              <a:t>UMAP</a:t>
+            </a:r>
+          </a:p>
+        </p:txBody>
+      </p:sp>
+    </p:spTree>
+    <p:extLst>
+      <p:ext uri="{BB962C8B-B14F-4D97-AF65-F5344CB8AC3E}">
+        <p14:creationId xmlns:p14="http://schemas.microsoft.com/office/powerpoint/2010/main" val="1085546165"/>
+      </p:ext>
+    </p:extLst>
+  </p:cSld>
+  <p:clrMapOvr>
+    <a:masterClrMapping/>
+  </p:clrMapOvr>
+</p:sld>
+</file>
+
+<file path=ppt/slides/slide20.xml><?xml version="1.0" encoding="utf-8"?>
 <p:sld xmlns:a="http://schemas.openxmlformats.org/drawingml/2006/main" xmlns:r="http://schemas.openxmlformats.org/officeDocument/2006/relationships" xmlns:p="http://schemas.openxmlformats.org/presentationml/2006/main">
   <p:cSld>
     <p:spTree>
@@ -17001,7 +16855,7 @@
 </p:sld>
 </file>
 
-<file path=ppt/slides/slide22.xml><?xml version="1.0" encoding="utf-8"?>
+<file path=ppt/slides/slide21.xml><?xml version="1.0" encoding="utf-8"?>
 <p:sld xmlns:a="http://schemas.openxmlformats.org/drawingml/2006/main" xmlns:r="http://schemas.openxmlformats.org/officeDocument/2006/relationships" xmlns:p="http://schemas.openxmlformats.org/presentationml/2006/main">
   <p:cSld>
     <p:spTree>
@@ -17351,7 +17205,7 @@
 </p:sld>
 </file>
 
-<file path=ppt/slides/slide23.xml><?xml version="1.0" encoding="utf-8"?>
+<file path=ppt/slides/slide22.xml><?xml version="1.0" encoding="utf-8"?>
 <p:sld xmlns:a="http://schemas.openxmlformats.org/drawingml/2006/main" xmlns:r="http://schemas.openxmlformats.org/officeDocument/2006/relationships" xmlns:p="http://schemas.openxmlformats.org/presentationml/2006/main">
   <p:cSld>
     <p:spTree>
@@ -17491,7 +17345,7 @@
 </p:sld>
 </file>
 
-<file path=ppt/slides/slide24.xml><?xml version="1.0" encoding="utf-8"?>
+<file path=ppt/slides/slide23.xml><?xml version="1.0" encoding="utf-8"?>
 <p:sld xmlns:a="http://schemas.openxmlformats.org/drawingml/2006/main" xmlns:r="http://schemas.openxmlformats.org/officeDocument/2006/relationships" xmlns:p="http://schemas.openxmlformats.org/presentationml/2006/main">
   <p:cSld>
     <p:spTree>
@@ -18216,7 +18070,7 @@
 </p:sld>
 </file>
 
-<file path=ppt/slides/slide25.xml><?xml version="1.0" encoding="utf-8"?>
+<file path=ppt/slides/slide24.xml><?xml version="1.0" encoding="utf-8"?>
 <p:sld xmlns:a="http://schemas.openxmlformats.org/drawingml/2006/main" xmlns:r="http://schemas.openxmlformats.org/officeDocument/2006/relationships" xmlns:p="http://schemas.openxmlformats.org/presentationml/2006/main">
   <p:cSld>
     <p:spTree>
@@ -20788,7 +20642,7 @@
 </p:sld>
 </file>
 
-<file path=ppt/slides/slide26.xml><?xml version="1.0" encoding="utf-8"?>
+<file path=ppt/slides/slide25.xml><?xml version="1.0" encoding="utf-8"?>
 <p:sld xmlns:a="http://schemas.openxmlformats.org/drawingml/2006/main" xmlns:r="http://schemas.openxmlformats.org/officeDocument/2006/relationships" xmlns:p="http://schemas.openxmlformats.org/presentationml/2006/main">
   <p:cSld>
     <p:spTree>
@@ -21168,7 +21022,7 @@
 </p:sld>
 </file>
 
-<file path=ppt/slides/slide27.xml><?xml version="1.0" encoding="utf-8"?>
+<file path=ppt/slides/slide26.xml><?xml version="1.0" encoding="utf-8"?>
 <p:sld xmlns:a="http://schemas.openxmlformats.org/drawingml/2006/main" xmlns:r="http://schemas.openxmlformats.org/officeDocument/2006/relationships" xmlns:p="http://schemas.openxmlformats.org/presentationml/2006/main">
   <p:cSld>
     <p:spTree>
@@ -21368,7 +21222,7 @@
 </p:sld>
 </file>
 
-<file path=ppt/slides/slide28.xml><?xml version="1.0" encoding="utf-8"?>
+<file path=ppt/slides/slide27.xml><?xml version="1.0" encoding="utf-8"?>
 <p:sld xmlns:a="http://schemas.openxmlformats.org/drawingml/2006/main" xmlns:r="http://schemas.openxmlformats.org/officeDocument/2006/relationships" xmlns:p="http://schemas.openxmlformats.org/presentationml/2006/main">
   <p:cSld>
     <p:spTree>
@@ -21568,7 +21422,7 @@
 </p:sld>
 </file>
 
-<file path=ppt/slides/slide29.xml><?xml version="1.0" encoding="utf-8"?>
+<file path=ppt/slides/slide28.xml><?xml version="1.0" encoding="utf-8"?>
 <p:sld xmlns:a="http://schemas.openxmlformats.org/drawingml/2006/main" xmlns:r="http://schemas.openxmlformats.org/officeDocument/2006/relationships" xmlns:p="http://schemas.openxmlformats.org/presentationml/2006/main">
   <p:cSld>
     <p:spTree>
@@ -21770,229 +21624,7 @@
 </p:sld>
 </file>
 
-<file path=ppt/slides/slide3.xml><?xml version="1.0" encoding="utf-8"?>
-<p:sld xmlns:a="http://schemas.openxmlformats.org/drawingml/2006/main" xmlns:r="http://schemas.openxmlformats.org/officeDocument/2006/relationships" xmlns:p="http://schemas.openxmlformats.org/presentationml/2006/main">
-  <p:cSld>
-    <p:spTree>
-      <p:nvGrpSpPr>
-        <p:cNvPr id="1" name=""/>
-        <p:cNvGrpSpPr/>
-        <p:nvPr/>
-      </p:nvGrpSpPr>
-      <p:grpSpPr>
-        <a:xfrm>
-          <a:off x="0" y="0"/>
-          <a:ext cx="0" cy="0"/>
-          <a:chOff x="0" y="0"/>
-          <a:chExt cx="0" cy="0"/>
-        </a:xfrm>
-      </p:grpSpPr>
-      <p:sp>
-        <p:nvSpPr>
-          <p:cNvPr id="2" name="Title 1">
-            <a:extLst>
-              <a:ext uri="{FF2B5EF4-FFF2-40B4-BE49-F238E27FC236}">
-                <a16:creationId xmlns:a16="http://schemas.microsoft.com/office/drawing/2014/main" id="{10D330C2-52A4-1ABA-980B-56FBC97F350C}"/>
-              </a:ext>
-            </a:extLst>
-          </p:cNvPr>
-          <p:cNvSpPr>
-            <a:spLocks noGrp="1"/>
-          </p:cNvSpPr>
-          <p:nvPr>
-            <p:ph type="title"/>
-          </p:nvPr>
-        </p:nvSpPr>
-        <p:spPr/>
-        <p:txBody>
-          <a:bodyPr/>
-          <a:lstStyle/>
-          <a:p>
-            <a:r>
-              <a:rPr lang="en-US" dirty="0"/>
-              <a:t>Plan for Today</a:t>
-            </a:r>
-          </a:p>
-        </p:txBody>
-      </p:sp>
-      <p:sp>
-        <p:nvSpPr>
-          <p:cNvPr id="3" name="Content Placeholder 2">
-            <a:extLst>
-              <a:ext uri="{FF2B5EF4-FFF2-40B4-BE49-F238E27FC236}">
-                <a16:creationId xmlns:a16="http://schemas.microsoft.com/office/drawing/2014/main" id="{9EAE50F6-429C-715A-C25C-1C7744AED1CF}"/>
-              </a:ext>
-            </a:extLst>
-          </p:cNvPr>
-          <p:cNvSpPr>
-            <a:spLocks noGrp="1"/>
-          </p:cNvSpPr>
-          <p:nvPr>
-            <p:ph idx="1"/>
-          </p:nvPr>
-        </p:nvSpPr>
-        <p:spPr/>
-        <p:txBody>
-          <a:bodyPr>
-            <a:normAutofit/>
-          </a:bodyPr>
-          <a:lstStyle/>
-          <a:p>
-            <a:pPr marL="355600" indent="-342900">
-              <a:lnSpc>
-                <a:spcPct val="100000"/>
-              </a:lnSpc>
-              <a:spcBef>
-                <a:spcPts val="1225"/>
-              </a:spcBef>
-              <a:buClr>
-                <a:schemeClr val="tx1">
-                  <a:lumMod val="75000"/>
-                  <a:lumOff val="25000"/>
-                </a:schemeClr>
-              </a:buClr>
-              <a:buSzPct val="80000"/>
-              <a:buFont typeface="Arial" panose="020B0604020202020204" pitchFamily="34" charset="0"/>
-              <a:buChar char="•"/>
-              <a:tabLst>
-                <a:tab pos="194310" algn="l"/>
-              </a:tabLst>
-            </a:pPr>
-            <a:r>
-              <a:rPr lang="en-US" sz="2400" dirty="0">
-                <a:cs typeface="Arial"/>
-              </a:rPr>
-              <a:t>Dimension Reduction Techniques </a:t>
-            </a:r>
-          </a:p>
-          <a:p>
-            <a:pPr marL="858520" lvl="1" indent="-342900">
-              <a:lnSpc>
-                <a:spcPct val="100000"/>
-              </a:lnSpc>
-              <a:spcBef>
-                <a:spcPts val="1225"/>
-              </a:spcBef>
-              <a:buClr>
-                <a:schemeClr val="tx1">
-                  <a:lumMod val="75000"/>
-                  <a:lumOff val="25000"/>
-                </a:schemeClr>
-              </a:buClr>
-              <a:buSzPct val="80000"/>
-              <a:buFont typeface="Arial" panose="020B0604020202020204" pitchFamily="34" charset="0"/>
-              <a:buChar char="•"/>
-              <a:tabLst>
-                <a:tab pos="194310" algn="l"/>
-              </a:tabLst>
-            </a:pPr>
-            <a:r>
-              <a:rPr lang="en-US" sz="2200" dirty="0">
-                <a:cs typeface="Arial"/>
-              </a:rPr>
-              <a:t>PCA </a:t>
-            </a:r>
-          </a:p>
-          <a:p>
-            <a:pPr marL="858520" lvl="1" indent="-342900">
-              <a:lnSpc>
-                <a:spcPct val="100000"/>
-              </a:lnSpc>
-              <a:spcBef>
-                <a:spcPts val="1225"/>
-              </a:spcBef>
-              <a:buClr>
-                <a:schemeClr val="tx1">
-                  <a:lumMod val="75000"/>
-                  <a:lumOff val="25000"/>
-                </a:schemeClr>
-              </a:buClr>
-              <a:buSzPct val="80000"/>
-              <a:buFont typeface="Arial" panose="020B0604020202020204" pitchFamily="34" charset="0"/>
-              <a:buChar char="•"/>
-              <a:tabLst>
-                <a:tab pos="194310" algn="l"/>
-              </a:tabLst>
-            </a:pPr>
-            <a:r>
-              <a:rPr lang="en-US" sz="2200" dirty="0">
-                <a:cs typeface="Arial"/>
-              </a:rPr>
-              <a:t>MDS</a:t>
-            </a:r>
-          </a:p>
-          <a:p>
-            <a:pPr marL="858520" lvl="1" indent="-342900">
-              <a:lnSpc>
-                <a:spcPct val="100000"/>
-              </a:lnSpc>
-              <a:spcBef>
-                <a:spcPts val="1225"/>
-              </a:spcBef>
-              <a:buClr>
-                <a:schemeClr val="tx1">
-                  <a:lumMod val="75000"/>
-                  <a:lumOff val="25000"/>
-                </a:schemeClr>
-              </a:buClr>
-              <a:buSzPct val="80000"/>
-              <a:buFont typeface="Arial" panose="020B0604020202020204" pitchFamily="34" charset="0"/>
-              <a:buChar char="•"/>
-              <a:tabLst>
-                <a:tab pos="194310" algn="l"/>
-              </a:tabLst>
-            </a:pPr>
-            <a:r>
-              <a:rPr lang="en-US" sz="2200" dirty="0">
-                <a:cs typeface="Arial"/>
-              </a:rPr>
-              <a:t>t-SNE</a:t>
-            </a:r>
-          </a:p>
-          <a:p>
-            <a:pPr marL="858520" lvl="1" indent="-342900">
-              <a:lnSpc>
-                <a:spcPct val="100000"/>
-              </a:lnSpc>
-              <a:spcBef>
-                <a:spcPts val="1225"/>
-              </a:spcBef>
-              <a:buClr>
-                <a:schemeClr val="tx1">
-                  <a:lumMod val="75000"/>
-                  <a:lumOff val="25000"/>
-                </a:schemeClr>
-              </a:buClr>
-              <a:buSzPct val="80000"/>
-              <a:buFont typeface="Arial" panose="020B0604020202020204" pitchFamily="34" charset="0"/>
-              <a:buChar char="•"/>
-              <a:tabLst>
-                <a:tab pos="194310" algn="l"/>
-              </a:tabLst>
-            </a:pPr>
-            <a:r>
-              <a:rPr lang="en-US" sz="2200" dirty="0">
-                <a:cs typeface="Arial"/>
-              </a:rPr>
-              <a:t>UMAP</a:t>
-            </a:r>
-          </a:p>
-        </p:txBody>
-      </p:sp>
-    </p:spTree>
-    <p:extLst>
-      <p:ext uri="{BB962C8B-B14F-4D97-AF65-F5344CB8AC3E}">
-        <p14:creationId xmlns:p14="http://schemas.microsoft.com/office/powerpoint/2010/main" val="1085546165"/>
-      </p:ext>
-    </p:extLst>
-  </p:cSld>
-  <p:clrMapOvr>
-    <a:masterClrMapping/>
-  </p:clrMapOvr>
-</p:sld>
-</file>
-
-<file path=ppt/slides/slide30.xml><?xml version="1.0" encoding="utf-8"?>
+<file path=ppt/slides/slide29.xml><?xml version="1.0" encoding="utf-8"?>
 <p:sld xmlns:a="http://schemas.openxmlformats.org/drawingml/2006/main" xmlns:r="http://schemas.openxmlformats.org/officeDocument/2006/relationships" xmlns:p="http://schemas.openxmlformats.org/presentationml/2006/main">
   <p:cSld>
     <p:spTree>
@@ -22199,7 +21831,327 @@
 </p:sld>
 </file>
 
-<file path=ppt/slides/slide31.xml><?xml version="1.0" encoding="utf-8"?>
+<file path=ppt/slides/slide3.xml><?xml version="1.0" encoding="utf-8"?>
+<p:sld xmlns:a="http://schemas.openxmlformats.org/drawingml/2006/main" xmlns:r="http://schemas.openxmlformats.org/officeDocument/2006/relationships" xmlns:p="http://schemas.openxmlformats.org/presentationml/2006/main">
+  <p:cSld>
+    <p:spTree>
+      <p:nvGrpSpPr>
+        <p:cNvPr id="1" name=""/>
+        <p:cNvGrpSpPr/>
+        <p:nvPr/>
+      </p:nvGrpSpPr>
+      <p:grpSpPr>
+        <a:xfrm>
+          <a:off x="0" y="0"/>
+          <a:ext cx="0" cy="0"/>
+          <a:chOff x="0" y="0"/>
+          <a:chExt cx="0" cy="0"/>
+        </a:xfrm>
+      </p:grpSpPr>
+      <p:sp>
+        <p:nvSpPr>
+          <p:cNvPr id="2" name="object 2"/>
+          <p:cNvSpPr txBox="1">
+            <a:spLocks noGrp="1"/>
+          </p:cNvSpPr>
+          <p:nvPr>
+            <p:ph type="title"/>
+          </p:nvPr>
+        </p:nvSpPr>
+        <p:spPr>
+          <a:xfrm>
+            <a:off x="189576" y="2589606"/>
+            <a:ext cx="2553624" cy="1674817"/>
+          </a:xfrm>
+          <a:prstGeom prst="rect">
+            <a:avLst/>
+          </a:prstGeom>
+        </p:spPr>
+        <p:txBody>
+          <a:bodyPr vert="horz" wrap="square" lIns="0" tIns="12700" rIns="0" bIns="0" rtlCol="0" anchor="ctr">
+            <a:spAutoFit/>
+          </a:bodyPr>
+          <a:lstStyle/>
+          <a:p>
+            <a:pPr marL="12700">
+              <a:lnSpc>
+                <a:spcPct val="100000"/>
+              </a:lnSpc>
+              <a:spcBef>
+                <a:spcPts val="100"/>
+              </a:spcBef>
+            </a:pPr>
+            <a:r>
+              <a:rPr spc="-85" dirty="0"/>
+              <a:t>What</a:t>
+            </a:r>
+            <a:r>
+              <a:rPr spc="-190" dirty="0"/>
+              <a:t> </a:t>
+            </a:r>
+            <a:r>
+              <a:rPr spc="-95" dirty="0"/>
+              <a:t>we’ve</a:t>
+            </a:r>
+            <a:r>
+              <a:rPr spc="-185" dirty="0"/>
+              <a:t> </a:t>
+            </a:r>
+            <a:r>
+              <a:rPr spc="-85" dirty="0"/>
+              <a:t>been</a:t>
+            </a:r>
+            <a:r>
+              <a:rPr spc="-185" dirty="0"/>
+              <a:t> </a:t>
+            </a:r>
+            <a:r>
+              <a:rPr spc="-95" dirty="0"/>
+              <a:t>(mostly)</a:t>
+            </a:r>
+            <a:r>
+              <a:rPr spc="-180" dirty="0"/>
+              <a:t> </a:t>
+            </a:r>
+            <a:r>
+              <a:rPr spc="-95" dirty="0"/>
+              <a:t>worried</a:t>
+            </a:r>
+            <a:r>
+              <a:rPr spc="-185" dirty="0"/>
+              <a:t> </a:t>
+            </a:r>
+            <a:r>
+              <a:rPr spc="-40" dirty="0"/>
+              <a:t>about</a:t>
+            </a:r>
+          </a:p>
+        </p:txBody>
+      </p:sp>
+      <p:pic>
+        <p:nvPicPr>
+          <p:cNvPr id="4" name="object 4"/>
+          <p:cNvPicPr/>
+          <p:nvPr/>
+        </p:nvPicPr>
+        <p:blipFill>
+          <a:blip r:embed="rId2" cstate="print"/>
+          <a:stretch>
+            <a:fillRect/>
+          </a:stretch>
+        </p:blipFill>
+        <p:spPr>
+          <a:xfrm>
+            <a:off x="3594389" y="609600"/>
+            <a:ext cx="8108450" cy="5638799"/>
+          </a:xfrm>
+          <a:prstGeom prst="rect">
+            <a:avLst/>
+          </a:prstGeom>
+        </p:spPr>
+      </p:pic>
+      <p:sp>
+        <p:nvSpPr>
+          <p:cNvPr id="6" name="object 6"/>
+          <p:cNvSpPr txBox="1"/>
+          <p:nvPr/>
+        </p:nvSpPr>
+        <p:spPr>
+          <a:xfrm>
+            <a:off x="8257309" y="4387000"/>
+            <a:ext cx="3505336" cy="1004530"/>
+          </a:xfrm>
+          <a:prstGeom prst="roundRect">
+            <a:avLst/>
+          </a:prstGeom>
+          <a:ln>
+            <a:noFill/>
+          </a:ln>
+        </p:spPr>
+        <p:style>
+          <a:lnRef idx="0">
+            <a:schemeClr val="accent5"/>
+          </a:lnRef>
+          <a:fillRef idx="3">
+            <a:schemeClr val="accent5"/>
+          </a:fillRef>
+          <a:effectRef idx="3">
+            <a:schemeClr val="accent5"/>
+          </a:effectRef>
+          <a:fontRef idx="minor">
+            <a:schemeClr val="lt1"/>
+          </a:fontRef>
+        </p:style>
+        <p:txBody>
+          <a:bodyPr vert="horz" wrap="square" lIns="0" tIns="167640" rIns="0" bIns="0" rtlCol="0" anchor="t">
+            <a:spAutoFit/>
+          </a:bodyPr>
+          <a:lstStyle>
+            <a:defPPr>
+              <a:defRPr lang="en-US"/>
+            </a:defPPr>
+            <a:lvl1pPr marL="194310" indent="-181610">
+              <a:spcBef>
+                <a:spcPts val="1320"/>
+              </a:spcBef>
+              <a:buClr>
+                <a:schemeClr val="tx1">
+                  <a:lumMod val="75000"/>
+                  <a:lumOff val="25000"/>
+                </a:schemeClr>
+              </a:buClr>
+              <a:buSzPct val="80000"/>
+              <a:buChar char="•"/>
+              <a:tabLst>
+                <a:tab pos="194310" algn="l"/>
+              </a:tabLst>
+              <a:defRPr sz="2400">
+                <a:solidFill>
+                  <a:schemeClr val="tx1">
+                    <a:lumMod val="75000"/>
+                    <a:lumOff val="25000"/>
+                  </a:schemeClr>
+                </a:solidFill>
+                <a:cs typeface="Arial"/>
+              </a:defRPr>
+            </a:lvl1pPr>
+            <a:lvl2pPr marL="469900" marR="347980" lvl="1" indent="-182880">
+              <a:spcBef>
+                <a:spcPts val="520"/>
+              </a:spcBef>
+              <a:buClr>
+                <a:schemeClr val="tx1">
+                  <a:lumMod val="75000"/>
+                  <a:lumOff val="25000"/>
+                </a:schemeClr>
+              </a:buClr>
+              <a:buSzPct val="80000"/>
+              <a:buFont typeface="Lucida Sans Unicode"/>
+              <a:buChar char="-"/>
+              <a:tabLst>
+                <a:tab pos="469900" algn="l"/>
+              </a:tabLst>
+              <a:defRPr sz="2400" spc="-10">
+                <a:solidFill>
+                  <a:schemeClr val="tx1">
+                    <a:lumMod val="75000"/>
+                    <a:lumOff val="25000"/>
+                  </a:schemeClr>
+                </a:solidFill>
+                <a:cs typeface="Arial"/>
+              </a:defRPr>
+            </a:lvl2pPr>
+          </a:lstStyle>
+          <a:p>
+            <a:pPr marL="12700" indent="0" algn="ctr">
+              <a:buNone/>
+            </a:pPr>
+            <a:r>
+              <a:rPr lang="en-US" dirty="0">
+                <a:solidFill>
+                  <a:schemeClr val="bg1"/>
+                </a:solidFill>
+              </a:rPr>
+              <a:t>What </a:t>
+            </a:r>
+            <a:r>
+              <a:rPr dirty="0">
+                <a:solidFill>
+                  <a:schemeClr val="bg1"/>
+                </a:solidFill>
+              </a:rPr>
+              <a:t>if dim(data) &gt;&gt; #channels?</a:t>
+            </a:r>
+          </a:p>
+        </p:txBody>
+      </p:sp>
+    </p:spTree>
+  </p:cSld>
+  <p:clrMapOvr>
+    <a:masterClrMapping/>
+  </p:clrMapOvr>
+  <p:timing>
+    <p:tnLst>
+      <p:par>
+        <p:cTn id="1" dur="indefinite" restart="never" nodeType="tmRoot">
+          <p:childTnLst>
+            <p:seq concurrent="1" nextAc="seek">
+              <p:cTn id="2" dur="indefinite" nodeType="mainSeq">
+                <p:childTnLst>
+                  <p:par>
+                    <p:cTn id="3" fill="hold">
+                      <p:stCondLst>
+                        <p:cond delay="indefinite"/>
+                      </p:stCondLst>
+                      <p:childTnLst>
+                        <p:par>
+                          <p:cTn id="4" fill="hold">
+                            <p:stCondLst>
+                              <p:cond delay="0"/>
+                            </p:stCondLst>
+                            <p:childTnLst>
+                              <p:par>
+                                <p:cTn id="5" presetID="1" presetClass="entr" presetSubtype="0" fill="hold" grpId="0" nodeType="clickEffect">
+                                  <p:stCondLst>
+                                    <p:cond delay="0"/>
+                                  </p:stCondLst>
+                                  <p:childTnLst>
+                                    <p:set>
+                                      <p:cBhvr>
+                                        <p:cTn id="6" dur="1" fill="hold">
+                                          <p:stCondLst>
+                                            <p:cond delay="0"/>
+                                          </p:stCondLst>
+                                        </p:cTn>
+                                        <p:tgtEl>
+                                          <p:spTgt spid="6"/>
+                                        </p:tgtEl>
+                                        <p:attrNameLst>
+                                          <p:attrName>style.visibility</p:attrName>
+                                        </p:attrNameLst>
+                                      </p:cBhvr>
+                                      <p:to>
+                                        <p:strVal val="visible"/>
+                                      </p:to>
+                                    </p:set>
+                                  </p:childTnLst>
+                                </p:cTn>
+                              </p:par>
+                            </p:childTnLst>
+                          </p:cTn>
+                        </p:par>
+                      </p:childTnLst>
+                    </p:cTn>
+                  </p:par>
+                </p:childTnLst>
+              </p:cTn>
+              <p:prevCondLst>
+                <p:cond evt="onPrev" delay="0">
+                  <p:tgtEl>
+                    <p:sldTgt/>
+                  </p:tgtEl>
+                </p:cond>
+              </p:prevCondLst>
+              <p:nextCondLst>
+                <p:cond evt="onNext" delay="0">
+                  <p:tgtEl>
+                    <p:sldTgt/>
+                  </p:tgtEl>
+                </p:cond>
+              </p:nextCondLst>
+            </p:seq>
+          </p:childTnLst>
+        </p:cTn>
+      </p:par>
+    </p:tnLst>
+    <p:bldLst>
+      <p:bldP spid="6" grpId="0" animBg="1"/>
+    </p:bldLst>
+  </p:timing>
+</p:sld>
+</file>
+
+<file path=ppt/slides/slide30.xml><?xml version="1.0" encoding="utf-8"?>
 <p:sld xmlns:a="http://schemas.openxmlformats.org/drawingml/2006/main" xmlns:r="http://schemas.openxmlformats.org/officeDocument/2006/relationships" xmlns:p="http://schemas.openxmlformats.org/presentationml/2006/main">
   <p:cSld>
     <p:spTree>
@@ -22439,7 +22391,7 @@
 </p:sld>
 </file>
 
-<file path=ppt/slides/slide32.xml><?xml version="1.0" encoding="utf-8"?>
+<file path=ppt/slides/slide31.xml><?xml version="1.0" encoding="utf-8"?>
 <p:sld xmlns:a="http://schemas.openxmlformats.org/drawingml/2006/main" xmlns:r="http://schemas.openxmlformats.org/officeDocument/2006/relationships" xmlns:p="http://schemas.openxmlformats.org/presentationml/2006/main">
   <p:cSld>
     <p:spTree>
@@ -22638,7 +22590,7 @@
 </p:sld>
 </file>
 
-<file path=ppt/slides/slide33.xml><?xml version="1.0" encoding="utf-8"?>
+<file path=ppt/slides/slide32.xml><?xml version="1.0" encoding="utf-8"?>
 <p:sld xmlns:a="http://schemas.openxmlformats.org/drawingml/2006/main" xmlns:r="http://schemas.openxmlformats.org/officeDocument/2006/relationships" xmlns:p="http://schemas.openxmlformats.org/presentationml/2006/main">
   <p:cSld>
     <p:spTree>
@@ -22816,7 +22768,7 @@
 </p:sld>
 </file>
 
-<file path=ppt/slides/slide34.xml><?xml version="1.0" encoding="utf-8"?>
+<file path=ppt/slides/slide33.xml><?xml version="1.0" encoding="utf-8"?>
 <p:sld xmlns:a="http://schemas.openxmlformats.org/drawingml/2006/main" xmlns:r="http://schemas.openxmlformats.org/officeDocument/2006/relationships" xmlns:p="http://schemas.openxmlformats.org/presentationml/2006/main">
   <p:cSld>
     <p:spTree>
@@ -23007,7 +22959,7 @@
 </p:sld>
 </file>
 
-<file path=ppt/slides/slide35.xml><?xml version="1.0" encoding="utf-8"?>
+<file path=ppt/slides/slide34.xml><?xml version="1.0" encoding="utf-8"?>
 <p:sld xmlns:a="http://schemas.openxmlformats.org/drawingml/2006/main" xmlns:r="http://schemas.openxmlformats.org/officeDocument/2006/relationships" xmlns:p="http://schemas.openxmlformats.org/presentationml/2006/main">
   <p:cSld>
     <p:spTree>
@@ -23096,7 +23048,7 @@
 </p:sld>
 </file>
 
-<file path=ppt/slides/slide36.xml><?xml version="1.0" encoding="utf-8"?>
+<file path=ppt/slides/slide35.xml><?xml version="1.0" encoding="utf-8"?>
 <p:sld xmlns:a="http://schemas.openxmlformats.org/drawingml/2006/main" xmlns:r="http://schemas.openxmlformats.org/officeDocument/2006/relationships" xmlns:p="http://schemas.openxmlformats.org/presentationml/2006/main">
   <p:cSld>
     <p:spTree>
@@ -23286,7 +23238,7 @@
 </p:sld>
 </file>
 
-<file path=ppt/slides/slide37.xml><?xml version="1.0" encoding="utf-8"?>
+<file path=ppt/slides/slide36.xml><?xml version="1.0" encoding="utf-8"?>
 <p:sld xmlns:a="http://schemas.openxmlformats.org/drawingml/2006/main" xmlns:r="http://schemas.openxmlformats.org/officeDocument/2006/relationships" xmlns:p="http://schemas.openxmlformats.org/presentationml/2006/main">
   <p:cSld>
     <p:spTree>
@@ -23519,7 +23471,7 @@
 </p:sld>
 </file>
 
-<file path=ppt/slides/slide38.xml><?xml version="1.0" encoding="utf-8"?>
+<file path=ppt/slides/slide37.xml><?xml version="1.0" encoding="utf-8"?>
 <p:sld xmlns:a="http://schemas.openxmlformats.org/drawingml/2006/main" xmlns:r="http://schemas.openxmlformats.org/officeDocument/2006/relationships" xmlns:p="http://schemas.openxmlformats.org/presentationml/2006/main">
   <p:cSld>
     <p:spTree>
@@ -23733,7 +23685,7 @@
 </p:sld>
 </file>
 
-<file path=ppt/slides/slide39.xml><?xml version="1.0" encoding="utf-8"?>
+<file path=ppt/slides/slide38.xml><?xml version="1.0" encoding="utf-8"?>
 <p:sld xmlns:a="http://schemas.openxmlformats.org/drawingml/2006/main" xmlns:r="http://schemas.openxmlformats.org/officeDocument/2006/relationships" xmlns:p="http://schemas.openxmlformats.org/presentationml/2006/main">
   <p:cSld>
     <p:spTree>
@@ -23977,327 +23929,7 @@
 </p:sld>
 </file>
 
-<file path=ppt/slides/slide4.xml><?xml version="1.0" encoding="utf-8"?>
-<p:sld xmlns:a="http://schemas.openxmlformats.org/drawingml/2006/main" xmlns:r="http://schemas.openxmlformats.org/officeDocument/2006/relationships" xmlns:p="http://schemas.openxmlformats.org/presentationml/2006/main">
-  <p:cSld>
-    <p:spTree>
-      <p:nvGrpSpPr>
-        <p:cNvPr id="1" name=""/>
-        <p:cNvGrpSpPr/>
-        <p:nvPr/>
-      </p:nvGrpSpPr>
-      <p:grpSpPr>
-        <a:xfrm>
-          <a:off x="0" y="0"/>
-          <a:ext cx="0" cy="0"/>
-          <a:chOff x="0" y="0"/>
-          <a:chExt cx="0" cy="0"/>
-        </a:xfrm>
-      </p:grpSpPr>
-      <p:sp>
-        <p:nvSpPr>
-          <p:cNvPr id="2" name="object 2"/>
-          <p:cNvSpPr txBox="1">
-            <a:spLocks noGrp="1"/>
-          </p:cNvSpPr>
-          <p:nvPr>
-            <p:ph type="title"/>
-          </p:nvPr>
-        </p:nvSpPr>
-        <p:spPr>
-          <a:xfrm>
-            <a:off x="189576" y="2589606"/>
-            <a:ext cx="2553624" cy="1674817"/>
-          </a:xfrm>
-          <a:prstGeom prst="rect">
-            <a:avLst/>
-          </a:prstGeom>
-        </p:spPr>
-        <p:txBody>
-          <a:bodyPr vert="horz" wrap="square" lIns="0" tIns="12700" rIns="0" bIns="0" rtlCol="0" anchor="ctr">
-            <a:spAutoFit/>
-          </a:bodyPr>
-          <a:lstStyle/>
-          <a:p>
-            <a:pPr marL="12700">
-              <a:lnSpc>
-                <a:spcPct val="100000"/>
-              </a:lnSpc>
-              <a:spcBef>
-                <a:spcPts val="100"/>
-              </a:spcBef>
-            </a:pPr>
-            <a:r>
-              <a:rPr spc="-85" dirty="0"/>
-              <a:t>What</a:t>
-            </a:r>
-            <a:r>
-              <a:rPr spc="-190" dirty="0"/>
-              <a:t> </a:t>
-            </a:r>
-            <a:r>
-              <a:rPr spc="-95" dirty="0"/>
-              <a:t>we’ve</a:t>
-            </a:r>
-            <a:r>
-              <a:rPr spc="-185" dirty="0"/>
-              <a:t> </a:t>
-            </a:r>
-            <a:r>
-              <a:rPr spc="-85" dirty="0"/>
-              <a:t>been</a:t>
-            </a:r>
-            <a:r>
-              <a:rPr spc="-185" dirty="0"/>
-              <a:t> </a:t>
-            </a:r>
-            <a:r>
-              <a:rPr spc="-95" dirty="0"/>
-              <a:t>(mostly)</a:t>
-            </a:r>
-            <a:r>
-              <a:rPr spc="-180" dirty="0"/>
-              <a:t> </a:t>
-            </a:r>
-            <a:r>
-              <a:rPr spc="-95" dirty="0"/>
-              <a:t>worried</a:t>
-            </a:r>
-            <a:r>
-              <a:rPr spc="-185" dirty="0"/>
-              <a:t> </a:t>
-            </a:r>
-            <a:r>
-              <a:rPr spc="-40" dirty="0"/>
-              <a:t>about</a:t>
-            </a:r>
-          </a:p>
-        </p:txBody>
-      </p:sp>
-      <p:pic>
-        <p:nvPicPr>
-          <p:cNvPr id="4" name="object 4"/>
-          <p:cNvPicPr/>
-          <p:nvPr/>
-        </p:nvPicPr>
-        <p:blipFill>
-          <a:blip r:embed="rId2" cstate="print"/>
-          <a:stretch>
-            <a:fillRect/>
-          </a:stretch>
-        </p:blipFill>
-        <p:spPr>
-          <a:xfrm>
-            <a:off x="3594389" y="609600"/>
-            <a:ext cx="8108450" cy="5638799"/>
-          </a:xfrm>
-          <a:prstGeom prst="rect">
-            <a:avLst/>
-          </a:prstGeom>
-        </p:spPr>
-      </p:pic>
-      <p:sp>
-        <p:nvSpPr>
-          <p:cNvPr id="6" name="object 6"/>
-          <p:cNvSpPr txBox="1"/>
-          <p:nvPr/>
-        </p:nvSpPr>
-        <p:spPr>
-          <a:xfrm>
-            <a:off x="8257309" y="4387000"/>
-            <a:ext cx="3505336" cy="1004530"/>
-          </a:xfrm>
-          <a:prstGeom prst="roundRect">
-            <a:avLst/>
-          </a:prstGeom>
-          <a:ln>
-            <a:noFill/>
-          </a:ln>
-        </p:spPr>
-        <p:style>
-          <a:lnRef idx="0">
-            <a:schemeClr val="accent5"/>
-          </a:lnRef>
-          <a:fillRef idx="3">
-            <a:schemeClr val="accent5"/>
-          </a:fillRef>
-          <a:effectRef idx="3">
-            <a:schemeClr val="accent5"/>
-          </a:effectRef>
-          <a:fontRef idx="minor">
-            <a:schemeClr val="lt1"/>
-          </a:fontRef>
-        </p:style>
-        <p:txBody>
-          <a:bodyPr vert="horz" wrap="square" lIns="0" tIns="167640" rIns="0" bIns="0" rtlCol="0" anchor="t">
-            <a:spAutoFit/>
-          </a:bodyPr>
-          <a:lstStyle>
-            <a:defPPr>
-              <a:defRPr lang="en-US"/>
-            </a:defPPr>
-            <a:lvl1pPr marL="194310" indent="-181610">
-              <a:spcBef>
-                <a:spcPts val="1320"/>
-              </a:spcBef>
-              <a:buClr>
-                <a:schemeClr val="tx1">
-                  <a:lumMod val="75000"/>
-                  <a:lumOff val="25000"/>
-                </a:schemeClr>
-              </a:buClr>
-              <a:buSzPct val="80000"/>
-              <a:buChar char="•"/>
-              <a:tabLst>
-                <a:tab pos="194310" algn="l"/>
-              </a:tabLst>
-              <a:defRPr sz="2400">
-                <a:solidFill>
-                  <a:schemeClr val="tx1">
-                    <a:lumMod val="75000"/>
-                    <a:lumOff val="25000"/>
-                  </a:schemeClr>
-                </a:solidFill>
-                <a:cs typeface="Arial"/>
-              </a:defRPr>
-            </a:lvl1pPr>
-            <a:lvl2pPr marL="469900" marR="347980" lvl="1" indent="-182880">
-              <a:spcBef>
-                <a:spcPts val="520"/>
-              </a:spcBef>
-              <a:buClr>
-                <a:schemeClr val="tx1">
-                  <a:lumMod val="75000"/>
-                  <a:lumOff val="25000"/>
-                </a:schemeClr>
-              </a:buClr>
-              <a:buSzPct val="80000"/>
-              <a:buFont typeface="Lucida Sans Unicode"/>
-              <a:buChar char="-"/>
-              <a:tabLst>
-                <a:tab pos="469900" algn="l"/>
-              </a:tabLst>
-              <a:defRPr sz="2400" spc="-10">
-                <a:solidFill>
-                  <a:schemeClr val="tx1">
-                    <a:lumMod val="75000"/>
-                    <a:lumOff val="25000"/>
-                  </a:schemeClr>
-                </a:solidFill>
-                <a:cs typeface="Arial"/>
-              </a:defRPr>
-            </a:lvl2pPr>
-          </a:lstStyle>
-          <a:p>
-            <a:pPr marL="12700" indent="0" algn="ctr">
-              <a:buNone/>
-            </a:pPr>
-            <a:r>
-              <a:rPr lang="en-US" dirty="0">
-                <a:solidFill>
-                  <a:schemeClr val="bg1"/>
-                </a:solidFill>
-              </a:rPr>
-              <a:t>What </a:t>
-            </a:r>
-            <a:r>
-              <a:rPr dirty="0">
-                <a:solidFill>
-                  <a:schemeClr val="bg1"/>
-                </a:solidFill>
-              </a:rPr>
-              <a:t>if dim(data) &gt;&gt; #channels?</a:t>
-            </a:r>
-          </a:p>
-        </p:txBody>
-      </p:sp>
-    </p:spTree>
-  </p:cSld>
-  <p:clrMapOvr>
-    <a:masterClrMapping/>
-  </p:clrMapOvr>
-  <p:timing>
-    <p:tnLst>
-      <p:par>
-        <p:cTn id="1" dur="indefinite" restart="never" nodeType="tmRoot">
-          <p:childTnLst>
-            <p:seq concurrent="1" nextAc="seek">
-              <p:cTn id="2" dur="indefinite" nodeType="mainSeq">
-                <p:childTnLst>
-                  <p:par>
-                    <p:cTn id="3" fill="hold">
-                      <p:stCondLst>
-                        <p:cond delay="indefinite"/>
-                      </p:stCondLst>
-                      <p:childTnLst>
-                        <p:par>
-                          <p:cTn id="4" fill="hold">
-                            <p:stCondLst>
-                              <p:cond delay="0"/>
-                            </p:stCondLst>
-                            <p:childTnLst>
-                              <p:par>
-                                <p:cTn id="5" presetID="1" presetClass="entr" presetSubtype="0" fill="hold" grpId="0" nodeType="clickEffect">
-                                  <p:stCondLst>
-                                    <p:cond delay="0"/>
-                                  </p:stCondLst>
-                                  <p:childTnLst>
-                                    <p:set>
-                                      <p:cBhvr>
-                                        <p:cTn id="6" dur="1" fill="hold">
-                                          <p:stCondLst>
-                                            <p:cond delay="0"/>
-                                          </p:stCondLst>
-                                        </p:cTn>
-                                        <p:tgtEl>
-                                          <p:spTgt spid="6"/>
-                                        </p:tgtEl>
-                                        <p:attrNameLst>
-                                          <p:attrName>style.visibility</p:attrName>
-                                        </p:attrNameLst>
-                                      </p:cBhvr>
-                                      <p:to>
-                                        <p:strVal val="visible"/>
-                                      </p:to>
-                                    </p:set>
-                                  </p:childTnLst>
-                                </p:cTn>
-                              </p:par>
-                            </p:childTnLst>
-                          </p:cTn>
-                        </p:par>
-                      </p:childTnLst>
-                    </p:cTn>
-                  </p:par>
-                </p:childTnLst>
-              </p:cTn>
-              <p:prevCondLst>
-                <p:cond evt="onPrev" delay="0">
-                  <p:tgtEl>
-                    <p:sldTgt/>
-                  </p:tgtEl>
-                </p:cond>
-              </p:prevCondLst>
-              <p:nextCondLst>
-                <p:cond evt="onNext" delay="0">
-                  <p:tgtEl>
-                    <p:sldTgt/>
-                  </p:tgtEl>
-                </p:cond>
-              </p:nextCondLst>
-            </p:seq>
-          </p:childTnLst>
-        </p:cTn>
-      </p:par>
-    </p:tnLst>
-    <p:bldLst>
-      <p:bldP spid="6" grpId="0" animBg="1"/>
-    </p:bldLst>
-  </p:timing>
-</p:sld>
-</file>
-
-<file path=ppt/slides/slide40.xml><?xml version="1.0" encoding="utf-8"?>
+<file path=ppt/slides/slide39.xml><?xml version="1.0" encoding="utf-8"?>
 <p:sld xmlns:a="http://schemas.openxmlformats.org/drawingml/2006/main" xmlns:r="http://schemas.openxmlformats.org/officeDocument/2006/relationships" xmlns:p="http://schemas.openxmlformats.org/presentationml/2006/main">
   <p:cSld>
     <p:spTree>
@@ -24394,7 +24026,72 @@
 </p:sld>
 </file>
 
-<file path=ppt/slides/slide41.xml><?xml version="1.0" encoding="utf-8"?>
+<file path=ppt/slides/slide4.xml><?xml version="1.0" encoding="utf-8"?>
+<p:sld xmlns:a="http://schemas.openxmlformats.org/drawingml/2006/main" xmlns:r="http://schemas.openxmlformats.org/officeDocument/2006/relationships" xmlns:p="http://schemas.openxmlformats.org/presentationml/2006/main">
+  <p:cSld>
+    <p:spTree>
+      <p:nvGrpSpPr>
+        <p:cNvPr id="1" name=""/>
+        <p:cNvGrpSpPr/>
+        <p:nvPr/>
+      </p:nvGrpSpPr>
+      <p:grpSpPr>
+        <a:xfrm>
+          <a:off x="0" y="0"/>
+          <a:ext cx="0" cy="0"/>
+          <a:chOff x="0" y="0"/>
+          <a:chExt cx="0" cy="0"/>
+        </a:xfrm>
+      </p:grpSpPr>
+      <p:sp>
+        <p:nvSpPr>
+          <p:cNvPr id="2" name="object 2"/>
+          <p:cNvSpPr txBox="1">
+            <a:spLocks noGrp="1"/>
+          </p:cNvSpPr>
+          <p:nvPr>
+            <p:ph type="title"/>
+          </p:nvPr>
+        </p:nvSpPr>
+        <p:spPr>
+          <a:xfrm>
+            <a:off x="779392" y="3145589"/>
+            <a:ext cx="2947482" cy="566822"/>
+          </a:xfrm>
+          <a:prstGeom prst="rect">
+            <a:avLst/>
+          </a:prstGeom>
+        </p:spPr>
+        <p:txBody>
+          <a:bodyPr vert="horz" wrap="square" lIns="0" tIns="12700" rIns="0" bIns="0" rtlCol="0" anchor="ctr">
+            <a:spAutoFit/>
+          </a:bodyPr>
+          <a:lstStyle/>
+          <a:p>
+            <a:pPr marL="38100">
+              <a:lnSpc>
+                <a:spcPct val="100000"/>
+              </a:lnSpc>
+              <a:spcBef>
+                <a:spcPts val="100"/>
+              </a:spcBef>
+            </a:pPr>
+            <a:r>
+              <a:rPr spc="-100" dirty="0"/>
+              <a:t>Ideas?</a:t>
+            </a:r>
+          </a:p>
+        </p:txBody>
+      </p:sp>
+    </p:spTree>
+  </p:cSld>
+  <p:clrMapOvr>
+    <a:masterClrMapping/>
+  </p:clrMapOvr>
+</p:sld>
+</file>
+
+<file path=ppt/slides/slide40.xml><?xml version="1.0" encoding="utf-8"?>
 <p:sld xmlns:a="http://schemas.openxmlformats.org/drawingml/2006/main" xmlns:r="http://schemas.openxmlformats.org/officeDocument/2006/relationships" xmlns:p="http://schemas.openxmlformats.org/presentationml/2006/main">
   <p:cSld>
     <p:spTree>
@@ -24611,7 +24308,7 @@
 </p:sld>
 </file>
 
-<file path=ppt/slides/slide42.xml><?xml version="1.0" encoding="utf-8"?>
+<file path=ppt/slides/slide41.xml><?xml version="1.0" encoding="utf-8"?>
 <p:sld xmlns:a="http://schemas.openxmlformats.org/drawingml/2006/main" xmlns:r="http://schemas.openxmlformats.org/officeDocument/2006/relationships" xmlns:p="http://schemas.openxmlformats.org/presentationml/2006/main">
   <p:cSld>
     <p:spTree>
@@ -24808,7 +24505,7 @@
 </p:sld>
 </file>
 
-<file path=ppt/slides/slide43.xml><?xml version="1.0" encoding="utf-8"?>
+<file path=ppt/slides/slide42.xml><?xml version="1.0" encoding="utf-8"?>
 <p:sld xmlns:a="http://schemas.openxmlformats.org/drawingml/2006/main" xmlns:r="http://schemas.openxmlformats.org/officeDocument/2006/relationships" xmlns:p="http://schemas.openxmlformats.org/presentationml/2006/main">
   <p:cSld>
     <p:spTree>
@@ -24901,7 +24598,7 @@
 </p:sld>
 </file>
 
-<file path=ppt/slides/slide44.xml><?xml version="1.0" encoding="utf-8"?>
+<file path=ppt/slides/slide43.xml><?xml version="1.0" encoding="utf-8"?>
 <p:sld xmlns:a="http://schemas.openxmlformats.org/drawingml/2006/main" xmlns:r="http://schemas.openxmlformats.org/officeDocument/2006/relationships" xmlns:p="http://schemas.openxmlformats.org/presentationml/2006/main">
   <p:cSld>
     <p:spTree>
@@ -25085,7 +24782,7 @@
 </p:sld>
 </file>
 
-<file path=ppt/slides/slide45.xml><?xml version="1.0" encoding="utf-8"?>
+<file path=ppt/slides/slide44.xml><?xml version="1.0" encoding="utf-8"?>
 <p:sld xmlns:a="http://schemas.openxmlformats.org/drawingml/2006/main" xmlns:r="http://schemas.openxmlformats.org/officeDocument/2006/relationships" xmlns:p="http://schemas.openxmlformats.org/presentationml/2006/main">
   <p:cSld>
     <p:spTree>
@@ -25282,7 +24979,7 @@
 </p:sld>
 </file>
 
-<file path=ppt/slides/slide46.xml><?xml version="1.0" encoding="utf-8"?>
+<file path=ppt/slides/slide45.xml><?xml version="1.0" encoding="utf-8"?>
 <p:sld xmlns:a="http://schemas.openxmlformats.org/drawingml/2006/main" xmlns:r="http://schemas.openxmlformats.org/officeDocument/2006/relationships" xmlns:p="http://schemas.openxmlformats.org/presentationml/2006/main">
   <p:cSld>
     <p:spTree>
@@ -25392,7 +25089,7 @@
 </p:sld>
 </file>
 
-<file path=ppt/slides/slide47.xml><?xml version="1.0" encoding="utf-8"?>
+<file path=ppt/slides/slide46.xml><?xml version="1.0" encoding="utf-8"?>
 <p:sld xmlns:a="http://schemas.openxmlformats.org/drawingml/2006/main" xmlns:r="http://schemas.openxmlformats.org/officeDocument/2006/relationships" xmlns:p="http://schemas.openxmlformats.org/presentationml/2006/main">
   <p:cSld>
     <p:spTree>
@@ -25606,7 +25303,7 @@
 </p:sld>
 </file>
 
-<file path=ppt/slides/slide48.xml><?xml version="1.0" encoding="utf-8"?>
+<file path=ppt/slides/slide47.xml><?xml version="1.0" encoding="utf-8"?>
 <p:sld xmlns:a="http://schemas.openxmlformats.org/drawingml/2006/main" xmlns:r="http://schemas.openxmlformats.org/officeDocument/2006/relationships" xmlns:p="http://schemas.openxmlformats.org/presentationml/2006/main">
   <p:cSld>
     <p:spTree>
@@ -27112,71 +26809,6 @@
 </file>
 
 <file path=ppt/slides/slide5.xml><?xml version="1.0" encoding="utf-8"?>
-<p:sld xmlns:a="http://schemas.openxmlformats.org/drawingml/2006/main" xmlns:r="http://schemas.openxmlformats.org/officeDocument/2006/relationships" xmlns:p="http://schemas.openxmlformats.org/presentationml/2006/main">
-  <p:cSld>
-    <p:spTree>
-      <p:nvGrpSpPr>
-        <p:cNvPr id="1" name=""/>
-        <p:cNvGrpSpPr/>
-        <p:nvPr/>
-      </p:nvGrpSpPr>
-      <p:grpSpPr>
-        <a:xfrm>
-          <a:off x="0" y="0"/>
-          <a:ext cx="0" cy="0"/>
-          <a:chOff x="0" y="0"/>
-          <a:chExt cx="0" cy="0"/>
-        </a:xfrm>
-      </p:grpSpPr>
-      <p:sp>
-        <p:nvSpPr>
-          <p:cNvPr id="2" name="object 2"/>
-          <p:cNvSpPr txBox="1">
-            <a:spLocks noGrp="1"/>
-          </p:cNvSpPr>
-          <p:nvPr>
-            <p:ph type="title"/>
-          </p:nvPr>
-        </p:nvSpPr>
-        <p:spPr>
-          <a:xfrm>
-            <a:off x="779392" y="3145589"/>
-            <a:ext cx="2947482" cy="566822"/>
-          </a:xfrm>
-          <a:prstGeom prst="rect">
-            <a:avLst/>
-          </a:prstGeom>
-        </p:spPr>
-        <p:txBody>
-          <a:bodyPr vert="horz" wrap="square" lIns="0" tIns="12700" rIns="0" bIns="0" rtlCol="0" anchor="ctr">
-            <a:spAutoFit/>
-          </a:bodyPr>
-          <a:lstStyle/>
-          <a:p>
-            <a:pPr marL="38100">
-              <a:lnSpc>
-                <a:spcPct val="100000"/>
-              </a:lnSpc>
-              <a:spcBef>
-                <a:spcPts val="100"/>
-              </a:spcBef>
-            </a:pPr>
-            <a:r>
-              <a:rPr spc="-100" dirty="0"/>
-              <a:t>Ideas?</a:t>
-            </a:r>
-          </a:p>
-        </p:txBody>
-      </p:sp>
-    </p:spTree>
-  </p:cSld>
-  <p:clrMapOvr>
-    <a:masterClrMapping/>
-  </p:clrMapOvr>
-</p:sld>
-</file>
-
-<file path=ppt/slides/slide6.xml><?xml version="1.0" encoding="utf-8"?>
 <p:sld xmlns:a="http://schemas.openxmlformats.org/drawingml/2006/main" xmlns:r="http://schemas.openxmlformats.org/officeDocument/2006/relationships" xmlns:p="http://schemas.openxmlformats.org/presentationml/2006/main" show="0">
   <p:cSld>
     <p:spTree>
@@ -27777,7 +27409,7 @@
 </p:sld>
 </file>
 
-<file path=ppt/slides/slide7.xml><?xml version="1.0" encoding="utf-8"?>
+<file path=ppt/slides/slide6.xml><?xml version="1.0" encoding="utf-8"?>
 <p:sld xmlns:a="http://schemas.openxmlformats.org/drawingml/2006/main" xmlns:r="http://schemas.openxmlformats.org/officeDocument/2006/relationships" xmlns:p="http://schemas.openxmlformats.org/presentationml/2006/main" show="0">
   <p:cSld>
     <p:spTree>
@@ -28045,7 +27677,7 @@
 </p:sld>
 </file>
 
-<file path=ppt/slides/slide8.xml><?xml version="1.0" encoding="utf-8"?>
+<file path=ppt/slides/slide7.xml><?xml version="1.0" encoding="utf-8"?>
 <p:sld xmlns:a="http://schemas.openxmlformats.org/drawingml/2006/main" xmlns:r="http://schemas.openxmlformats.org/officeDocument/2006/relationships" xmlns:p="http://schemas.openxmlformats.org/presentationml/2006/main" show="0">
   <p:cSld>
     <p:spTree>
@@ -28209,7 +27841,7 @@
             </a:ln>
             <a:extLst>
               <a:ext uri="{91240B29-F687-4f45-9708-019B960494DF}">
-                <a14:hiddenLine xmlns:a14="http://schemas.microsoft.com/office/drawing/2010/main" xmlns="" w="9525">
+                <a14:hiddenLine xmlns="" xmlns:a14="http://schemas.microsoft.com/office/drawing/2010/main" w="9525">
                   <a:solidFill>
                     <a:srgbClr val="000000"/>
                   </a:solidFill>
@@ -28254,14 +27886,14 @@
             </a:ln>
             <a:extLst>
               <a:ext uri="{909E8E84-426E-40dd-AFC4-6F175D3DCCD1}">
-                <a14:hiddenFill xmlns:a14="http://schemas.microsoft.com/office/drawing/2010/main" xmlns="">
+                <a14:hiddenFill xmlns="" xmlns:a14="http://schemas.microsoft.com/office/drawing/2010/main">
                   <a:solidFill>
                     <a:srgbClr val="FFFFFF"/>
                   </a:solidFill>
                 </a14:hiddenFill>
               </a:ext>
               <a:ext uri="{91240B29-F687-4f45-9708-019B960494DF}">
-                <a14:hiddenLine xmlns:a14="http://schemas.microsoft.com/office/drawing/2010/main" xmlns="" w="9525">
+                <a14:hiddenLine xmlns="" xmlns:a14="http://schemas.microsoft.com/office/drawing/2010/main" w="9525">
                   <a:solidFill>
                     <a:srgbClr val="000000"/>
                   </a:solidFill>
@@ -28458,7 +28090,7 @@
             </a:ln>
             <a:extLst>
               <a:ext uri="{909E8E84-426E-40dd-AFC4-6F175D3DCCD1}">
-                <a14:hiddenFill xmlns:a14="http://schemas.microsoft.com/office/drawing/2010/main" xmlns="">
+                <a14:hiddenFill xmlns="" xmlns:a14="http://schemas.microsoft.com/office/drawing/2010/main">
                   <a:noFill/>
                 </a14:hiddenFill>
               </a:ext>
@@ -28504,7 +28136,7 @@
             </a:ln>
             <a:extLst>
               <a:ext uri="{909E8E84-426E-40dd-AFC4-6F175D3DCCD1}">
-                <a14:hiddenFill xmlns:a14="http://schemas.microsoft.com/office/drawing/2010/main" xmlns="">
+                <a14:hiddenFill xmlns="" xmlns:a14="http://schemas.microsoft.com/office/drawing/2010/main">
                   <a:noFill/>
                 </a14:hiddenFill>
               </a:ext>
@@ -28550,7 +28182,7 @@
             </a:ln>
             <a:extLst>
               <a:ext uri="{909E8E84-426E-40dd-AFC4-6F175D3DCCD1}">
-                <a14:hiddenFill xmlns:a14="http://schemas.microsoft.com/office/drawing/2010/main" xmlns="">
+                <a14:hiddenFill xmlns="" xmlns:a14="http://schemas.microsoft.com/office/drawing/2010/main">
                   <a:noFill/>
                 </a14:hiddenFill>
               </a:ext>
@@ -28596,7 +28228,7 @@
             </a:ln>
             <a:extLst>
               <a:ext uri="{909E8E84-426E-40dd-AFC4-6F175D3DCCD1}">
-                <a14:hiddenFill xmlns:a14="http://schemas.microsoft.com/office/drawing/2010/main" xmlns="">
+                <a14:hiddenFill xmlns="" xmlns:a14="http://schemas.microsoft.com/office/drawing/2010/main">
                   <a:noFill/>
                 </a14:hiddenFill>
               </a:ext>
@@ -28642,7 +28274,7 @@
             </a:ln>
             <a:extLst>
               <a:ext uri="{909E8E84-426E-40dd-AFC4-6F175D3DCCD1}">
-                <a14:hiddenFill xmlns:a14="http://schemas.microsoft.com/office/drawing/2010/main" xmlns="">
+                <a14:hiddenFill xmlns="" xmlns:a14="http://schemas.microsoft.com/office/drawing/2010/main">
                   <a:noFill/>
                 </a14:hiddenFill>
               </a:ext>
@@ -28688,7 +28320,7 @@
             </a:ln>
             <a:extLst>
               <a:ext uri="{909E8E84-426E-40dd-AFC4-6F175D3DCCD1}">
-                <a14:hiddenFill xmlns:a14="http://schemas.microsoft.com/office/drawing/2010/main" xmlns="">
+                <a14:hiddenFill xmlns="" xmlns:a14="http://schemas.microsoft.com/office/drawing/2010/main">
                   <a:noFill/>
                 </a14:hiddenFill>
               </a:ext>
@@ -28734,7 +28366,7 @@
             </a:ln>
             <a:extLst>
               <a:ext uri="{909E8E84-426E-40dd-AFC4-6F175D3DCCD1}">
-                <a14:hiddenFill xmlns:a14="http://schemas.microsoft.com/office/drawing/2010/main" xmlns="">
+                <a14:hiddenFill xmlns="" xmlns:a14="http://schemas.microsoft.com/office/drawing/2010/main">
                   <a:noFill/>
                 </a14:hiddenFill>
               </a:ext>
@@ -28780,7 +28412,7 @@
             </a:ln>
             <a:extLst>
               <a:ext uri="{909E8E84-426E-40dd-AFC4-6F175D3DCCD1}">
-                <a14:hiddenFill xmlns:a14="http://schemas.microsoft.com/office/drawing/2010/main" xmlns="">
+                <a14:hiddenFill xmlns="" xmlns:a14="http://schemas.microsoft.com/office/drawing/2010/main">
                   <a:noFill/>
                 </a14:hiddenFill>
               </a:ext>
@@ -28826,7 +28458,7 @@
             </a:ln>
             <a:extLst>
               <a:ext uri="{909E8E84-426E-40dd-AFC4-6F175D3DCCD1}">
-                <a14:hiddenFill xmlns:a14="http://schemas.microsoft.com/office/drawing/2010/main" xmlns="">
+                <a14:hiddenFill xmlns="" xmlns:a14="http://schemas.microsoft.com/office/drawing/2010/main">
                   <a:noFill/>
                 </a14:hiddenFill>
               </a:ext>
@@ -28872,7 +28504,7 @@
             </a:ln>
             <a:extLst>
               <a:ext uri="{909E8E84-426E-40dd-AFC4-6F175D3DCCD1}">
-                <a14:hiddenFill xmlns:a14="http://schemas.microsoft.com/office/drawing/2010/main" xmlns="">
+                <a14:hiddenFill xmlns="" xmlns:a14="http://schemas.microsoft.com/office/drawing/2010/main">
                   <a:noFill/>
                 </a14:hiddenFill>
               </a:ext>
@@ -28918,7 +28550,7 @@
             </a:ln>
             <a:extLst>
               <a:ext uri="{909E8E84-426E-40dd-AFC4-6F175D3DCCD1}">
-                <a14:hiddenFill xmlns:a14="http://schemas.microsoft.com/office/drawing/2010/main" xmlns="">
+                <a14:hiddenFill xmlns="" xmlns:a14="http://schemas.microsoft.com/office/drawing/2010/main">
                   <a:noFill/>
                 </a14:hiddenFill>
               </a:ext>
@@ -28964,7 +28596,7 @@
             </a:ln>
             <a:extLst>
               <a:ext uri="{909E8E84-426E-40dd-AFC4-6F175D3DCCD1}">
-                <a14:hiddenFill xmlns:a14="http://schemas.microsoft.com/office/drawing/2010/main" xmlns="">
+                <a14:hiddenFill xmlns="" xmlns:a14="http://schemas.microsoft.com/office/drawing/2010/main">
                   <a:noFill/>
                 </a14:hiddenFill>
               </a:ext>
@@ -29594,14 +29226,14 @@
             </a:ln>
             <a:extLst>
               <a:ext uri="{909E8E84-426E-40dd-AFC4-6F175D3DCCD1}">
-                <a14:hiddenFill xmlns:a14="http://schemas.microsoft.com/office/drawing/2010/main" xmlns="">
+                <a14:hiddenFill xmlns="" xmlns:a14="http://schemas.microsoft.com/office/drawing/2010/main">
                   <a:solidFill>
                     <a:srgbClr val="FFFFFF"/>
                   </a:solidFill>
                 </a14:hiddenFill>
               </a:ext>
               <a:ext uri="{91240B29-F687-4f45-9708-019B960494DF}">
-                <a14:hiddenLine xmlns:a14="http://schemas.microsoft.com/office/drawing/2010/main" xmlns="" w="9525">
+                <a14:hiddenLine xmlns="" xmlns:a14="http://schemas.microsoft.com/office/drawing/2010/main" w="9525">
                   <a:solidFill>
                     <a:srgbClr val="000000"/>
                   </a:solidFill>
@@ -29798,7 +29430,7 @@
             </a:ln>
             <a:extLst>
               <a:ext uri="{909E8E84-426E-40dd-AFC4-6F175D3DCCD1}">
-                <a14:hiddenFill xmlns:a14="http://schemas.microsoft.com/office/drawing/2010/main" xmlns="">
+                <a14:hiddenFill xmlns="" xmlns:a14="http://schemas.microsoft.com/office/drawing/2010/main">
                   <a:noFill/>
                 </a14:hiddenFill>
               </a:ext>
@@ -29844,7 +29476,7 @@
             </a:ln>
             <a:extLst>
               <a:ext uri="{909E8E84-426E-40dd-AFC4-6F175D3DCCD1}">
-                <a14:hiddenFill xmlns:a14="http://schemas.microsoft.com/office/drawing/2010/main" xmlns="">
+                <a14:hiddenFill xmlns="" xmlns:a14="http://schemas.microsoft.com/office/drawing/2010/main">
                   <a:noFill/>
                 </a14:hiddenFill>
               </a:ext>
@@ -29890,7 +29522,7 @@
             </a:ln>
             <a:extLst>
               <a:ext uri="{909E8E84-426E-40dd-AFC4-6F175D3DCCD1}">
-                <a14:hiddenFill xmlns:a14="http://schemas.microsoft.com/office/drawing/2010/main" xmlns="">
+                <a14:hiddenFill xmlns="" xmlns:a14="http://schemas.microsoft.com/office/drawing/2010/main">
                   <a:noFill/>
                 </a14:hiddenFill>
               </a:ext>
@@ -29936,7 +29568,7 @@
             </a:ln>
             <a:extLst>
               <a:ext uri="{909E8E84-426E-40dd-AFC4-6F175D3DCCD1}">
-                <a14:hiddenFill xmlns:a14="http://schemas.microsoft.com/office/drawing/2010/main" xmlns="">
+                <a14:hiddenFill xmlns="" xmlns:a14="http://schemas.microsoft.com/office/drawing/2010/main">
                   <a:noFill/>
                 </a14:hiddenFill>
               </a:ext>
@@ -29982,7 +29614,7 @@
             </a:ln>
             <a:extLst>
               <a:ext uri="{909E8E84-426E-40dd-AFC4-6F175D3DCCD1}">
-                <a14:hiddenFill xmlns:a14="http://schemas.microsoft.com/office/drawing/2010/main" xmlns="">
+                <a14:hiddenFill xmlns="" xmlns:a14="http://schemas.microsoft.com/office/drawing/2010/main">
                   <a:noFill/>
                 </a14:hiddenFill>
               </a:ext>
@@ -30028,7 +29660,7 @@
             </a:ln>
             <a:extLst>
               <a:ext uri="{909E8E84-426E-40dd-AFC4-6F175D3DCCD1}">
-                <a14:hiddenFill xmlns:a14="http://schemas.microsoft.com/office/drawing/2010/main" xmlns="">
+                <a14:hiddenFill xmlns="" xmlns:a14="http://schemas.microsoft.com/office/drawing/2010/main">
                   <a:noFill/>
                 </a14:hiddenFill>
               </a:ext>
@@ -30074,7 +29706,7 @@
             </a:ln>
             <a:extLst>
               <a:ext uri="{909E8E84-426E-40dd-AFC4-6F175D3DCCD1}">
-                <a14:hiddenFill xmlns:a14="http://schemas.microsoft.com/office/drawing/2010/main" xmlns="">
+                <a14:hiddenFill xmlns="" xmlns:a14="http://schemas.microsoft.com/office/drawing/2010/main">
                   <a:noFill/>
                 </a14:hiddenFill>
               </a:ext>
@@ -30120,7 +29752,7 @@
             </a:ln>
             <a:extLst>
               <a:ext uri="{909E8E84-426E-40dd-AFC4-6F175D3DCCD1}">
-                <a14:hiddenFill xmlns:a14="http://schemas.microsoft.com/office/drawing/2010/main" xmlns="">
+                <a14:hiddenFill xmlns="" xmlns:a14="http://schemas.microsoft.com/office/drawing/2010/main">
                   <a:noFill/>
                 </a14:hiddenFill>
               </a:ext>
@@ -30166,7 +29798,7 @@
             </a:ln>
             <a:extLst>
               <a:ext uri="{909E8E84-426E-40dd-AFC4-6F175D3DCCD1}">
-                <a14:hiddenFill xmlns:a14="http://schemas.microsoft.com/office/drawing/2010/main" xmlns="">
+                <a14:hiddenFill xmlns="" xmlns:a14="http://schemas.microsoft.com/office/drawing/2010/main">
                   <a:noFill/>
                 </a14:hiddenFill>
               </a:ext>
@@ -30212,7 +29844,7 @@
             </a:ln>
             <a:extLst>
               <a:ext uri="{909E8E84-426E-40dd-AFC4-6F175D3DCCD1}">
-                <a14:hiddenFill xmlns:a14="http://schemas.microsoft.com/office/drawing/2010/main" xmlns="">
+                <a14:hiddenFill xmlns="" xmlns:a14="http://schemas.microsoft.com/office/drawing/2010/main">
                   <a:noFill/>
                 </a14:hiddenFill>
               </a:ext>
@@ -30258,7 +29890,7 @@
             </a:ln>
             <a:extLst>
               <a:ext uri="{909E8E84-426E-40dd-AFC4-6F175D3DCCD1}">
-                <a14:hiddenFill xmlns:a14="http://schemas.microsoft.com/office/drawing/2010/main" xmlns="">
+                <a14:hiddenFill xmlns="" xmlns:a14="http://schemas.microsoft.com/office/drawing/2010/main">
                   <a:noFill/>
                 </a14:hiddenFill>
               </a:ext>
@@ -30304,7 +29936,7 @@
             </a:ln>
             <a:extLst>
               <a:ext uri="{909E8E84-426E-40dd-AFC4-6F175D3DCCD1}">
-                <a14:hiddenFill xmlns:a14="http://schemas.microsoft.com/office/drawing/2010/main" xmlns="">
+                <a14:hiddenFill xmlns="" xmlns:a14="http://schemas.microsoft.com/office/drawing/2010/main">
                   <a:noFill/>
                 </a14:hiddenFill>
               </a:ext>
@@ -30344,14 +29976,14 @@
             </a:ln>
             <a:extLst>
               <a:ext uri="{909E8E84-426E-40dd-AFC4-6F175D3DCCD1}">
-                <a14:hiddenFill xmlns:a14="http://schemas.microsoft.com/office/drawing/2010/main" xmlns="">
+                <a14:hiddenFill xmlns="" xmlns:a14="http://schemas.microsoft.com/office/drawing/2010/main">
                   <a:solidFill>
                     <a:srgbClr val="FFFFFF"/>
                   </a:solidFill>
                 </a14:hiddenFill>
               </a:ext>
               <a:ext uri="{91240B29-F687-4f45-9708-019B960494DF}">
-                <a14:hiddenLine xmlns:a14="http://schemas.microsoft.com/office/drawing/2010/main" xmlns="" w="9525">
+                <a14:hiddenLine xmlns="" xmlns:a14="http://schemas.microsoft.com/office/drawing/2010/main" w="9525">
                   <a:solidFill>
                     <a:srgbClr val="000000"/>
                   </a:solidFill>
@@ -30542,14 +30174,14 @@
             </a:ln>
             <a:extLst>
               <a:ext uri="{909E8E84-426E-40dd-AFC4-6F175D3DCCD1}">
-                <a14:hiddenFill xmlns:a14="http://schemas.microsoft.com/office/drawing/2010/main" xmlns="">
+                <a14:hiddenFill xmlns="" xmlns:a14="http://schemas.microsoft.com/office/drawing/2010/main">
                   <a:solidFill>
                     <a:srgbClr val="FFFFFF"/>
                   </a:solidFill>
                 </a14:hiddenFill>
               </a:ext>
               <a:ext uri="{91240B29-F687-4f45-9708-019B960494DF}">
-                <a14:hiddenLine xmlns:a14="http://schemas.microsoft.com/office/drawing/2010/main" xmlns="" w="9525">
+                <a14:hiddenLine xmlns="" xmlns:a14="http://schemas.microsoft.com/office/drawing/2010/main" w="9525">
                   <a:solidFill>
                     <a:srgbClr val="000000"/>
                   </a:solidFill>
@@ -30740,14 +30372,14 @@
             </a:ln>
             <a:extLst>
               <a:ext uri="{909E8E84-426E-40dd-AFC4-6F175D3DCCD1}">
-                <a14:hiddenFill xmlns:a14="http://schemas.microsoft.com/office/drawing/2010/main" xmlns="">
+                <a14:hiddenFill xmlns="" xmlns:a14="http://schemas.microsoft.com/office/drawing/2010/main">
                   <a:solidFill>
                     <a:srgbClr val="FFFFFF"/>
                   </a:solidFill>
                 </a14:hiddenFill>
               </a:ext>
               <a:ext uri="{91240B29-F687-4f45-9708-019B960494DF}">
-                <a14:hiddenLine xmlns:a14="http://schemas.microsoft.com/office/drawing/2010/main" xmlns="" w="9525">
+                <a14:hiddenLine xmlns="" xmlns:a14="http://schemas.microsoft.com/office/drawing/2010/main" w="9525">
                   <a:solidFill>
                     <a:srgbClr val="000000"/>
                   </a:solidFill>
@@ -30938,14 +30570,14 @@
             </a:ln>
             <a:extLst>
               <a:ext uri="{909E8E84-426E-40dd-AFC4-6F175D3DCCD1}">
-                <a14:hiddenFill xmlns:a14="http://schemas.microsoft.com/office/drawing/2010/main" xmlns="">
+                <a14:hiddenFill xmlns="" xmlns:a14="http://schemas.microsoft.com/office/drawing/2010/main">
                   <a:solidFill>
                     <a:srgbClr val="FFFFFF"/>
                   </a:solidFill>
                 </a14:hiddenFill>
               </a:ext>
               <a:ext uri="{91240B29-F687-4f45-9708-019B960494DF}">
-                <a14:hiddenLine xmlns:a14="http://schemas.microsoft.com/office/drawing/2010/main" xmlns="" w="9525">
+                <a14:hiddenLine xmlns="" xmlns:a14="http://schemas.microsoft.com/office/drawing/2010/main" w="9525">
                   <a:solidFill>
                     <a:srgbClr val="000000"/>
                   </a:solidFill>
@@ -31136,14 +30768,14 @@
             </a:ln>
             <a:extLst>
               <a:ext uri="{909E8E84-426E-40dd-AFC4-6F175D3DCCD1}">
-                <a14:hiddenFill xmlns:a14="http://schemas.microsoft.com/office/drawing/2010/main" xmlns="">
+                <a14:hiddenFill xmlns="" xmlns:a14="http://schemas.microsoft.com/office/drawing/2010/main">
                   <a:solidFill>
                     <a:srgbClr val="FFFFFF"/>
                   </a:solidFill>
                 </a14:hiddenFill>
               </a:ext>
               <a:ext uri="{91240B29-F687-4f45-9708-019B960494DF}">
-                <a14:hiddenLine xmlns:a14="http://schemas.microsoft.com/office/drawing/2010/main" xmlns="" w="9525">
+                <a14:hiddenLine xmlns="" xmlns:a14="http://schemas.microsoft.com/office/drawing/2010/main" w="9525">
                   <a:solidFill>
                     <a:srgbClr val="000000"/>
                   </a:solidFill>
@@ -31340,7 +30972,7 @@
             </a:ln>
             <a:extLst>
               <a:ext uri="{909E8E84-426E-40dd-AFC4-6F175D3DCCD1}">
-                <a14:hiddenFill xmlns:a14="http://schemas.microsoft.com/office/drawing/2010/main" xmlns="">
+                <a14:hiddenFill xmlns="" xmlns:a14="http://schemas.microsoft.com/office/drawing/2010/main">
                   <a:noFill/>
                 </a14:hiddenFill>
               </a:ext>
@@ -31386,7 +31018,7 @@
             </a:ln>
             <a:extLst>
               <a:ext uri="{909E8E84-426E-40dd-AFC4-6F175D3DCCD1}">
-                <a14:hiddenFill xmlns:a14="http://schemas.microsoft.com/office/drawing/2010/main" xmlns="">
+                <a14:hiddenFill xmlns="" xmlns:a14="http://schemas.microsoft.com/office/drawing/2010/main">
                   <a:noFill/>
                 </a14:hiddenFill>
               </a:ext>
@@ -31432,7 +31064,7 @@
             </a:ln>
             <a:extLst>
               <a:ext uri="{909E8E84-426E-40dd-AFC4-6F175D3DCCD1}">
-                <a14:hiddenFill xmlns:a14="http://schemas.microsoft.com/office/drawing/2010/main" xmlns="">
+                <a14:hiddenFill xmlns="" xmlns:a14="http://schemas.microsoft.com/office/drawing/2010/main">
                   <a:noFill/>
                 </a14:hiddenFill>
               </a:ext>
@@ -31478,7 +31110,7 @@
             </a:ln>
             <a:extLst>
               <a:ext uri="{909E8E84-426E-40dd-AFC4-6F175D3DCCD1}">
-                <a14:hiddenFill xmlns:a14="http://schemas.microsoft.com/office/drawing/2010/main" xmlns="">
+                <a14:hiddenFill xmlns="" xmlns:a14="http://schemas.microsoft.com/office/drawing/2010/main">
                   <a:noFill/>
                 </a14:hiddenFill>
               </a:ext>
@@ -31524,7 +31156,7 @@
             </a:ln>
             <a:extLst>
               <a:ext uri="{909E8E84-426E-40dd-AFC4-6F175D3DCCD1}">
-                <a14:hiddenFill xmlns:a14="http://schemas.microsoft.com/office/drawing/2010/main" xmlns="">
+                <a14:hiddenFill xmlns="" xmlns:a14="http://schemas.microsoft.com/office/drawing/2010/main">
                   <a:noFill/>
                 </a14:hiddenFill>
               </a:ext>
@@ -31570,7 +31202,7 @@
             </a:ln>
             <a:extLst>
               <a:ext uri="{909E8E84-426E-40dd-AFC4-6F175D3DCCD1}">
-                <a14:hiddenFill xmlns:a14="http://schemas.microsoft.com/office/drawing/2010/main" xmlns="">
+                <a14:hiddenFill xmlns="" xmlns:a14="http://schemas.microsoft.com/office/drawing/2010/main">
                   <a:noFill/>
                 </a14:hiddenFill>
               </a:ext>
@@ -31616,7 +31248,7 @@
             </a:ln>
             <a:extLst>
               <a:ext uri="{909E8E84-426E-40dd-AFC4-6F175D3DCCD1}">
-                <a14:hiddenFill xmlns:a14="http://schemas.microsoft.com/office/drawing/2010/main" xmlns="">
+                <a14:hiddenFill xmlns="" xmlns:a14="http://schemas.microsoft.com/office/drawing/2010/main">
                   <a:noFill/>
                 </a14:hiddenFill>
               </a:ext>
@@ -31658,7 +31290,7 @@
             </a:ln>
             <a:extLst>
               <a:ext uri="{91240B29-F687-4f45-9708-019B960494DF}">
-                <a14:hiddenLine xmlns:a14="http://schemas.microsoft.com/office/drawing/2010/main" xmlns="" w="9525">
+                <a14:hiddenLine xmlns="" xmlns:a14="http://schemas.microsoft.com/office/drawing/2010/main" w="9525">
                   <a:solidFill>
                     <a:srgbClr val="000000"/>
                   </a:solidFill>
@@ -31703,14 +31335,14 @@
             </a:ln>
             <a:extLst>
               <a:ext uri="{909E8E84-426E-40dd-AFC4-6F175D3DCCD1}">
-                <a14:hiddenFill xmlns:a14="http://schemas.microsoft.com/office/drawing/2010/main" xmlns="">
+                <a14:hiddenFill xmlns="" xmlns:a14="http://schemas.microsoft.com/office/drawing/2010/main">
                   <a:solidFill>
                     <a:srgbClr val="FFFFFF"/>
                   </a:solidFill>
                 </a14:hiddenFill>
               </a:ext>
               <a:ext uri="{91240B29-F687-4f45-9708-019B960494DF}">
-                <a14:hiddenLine xmlns:a14="http://schemas.microsoft.com/office/drawing/2010/main" xmlns="" w="9525">
+                <a14:hiddenLine xmlns="" xmlns:a14="http://schemas.microsoft.com/office/drawing/2010/main" w="9525">
                   <a:solidFill>
                     <a:srgbClr val="000000"/>
                   </a:solidFill>
@@ -31907,7 +31539,7 @@
             </a:ln>
             <a:extLst>
               <a:ext uri="{909E8E84-426E-40dd-AFC4-6F175D3DCCD1}">
-                <a14:hiddenFill xmlns:a14="http://schemas.microsoft.com/office/drawing/2010/main" xmlns="">
+                <a14:hiddenFill xmlns="" xmlns:a14="http://schemas.microsoft.com/office/drawing/2010/main">
                   <a:noFill/>
                 </a14:hiddenFill>
               </a:ext>
@@ -31947,14 +31579,14 @@
             </a:ln>
             <a:extLst>
               <a:ext uri="{909E8E84-426E-40dd-AFC4-6F175D3DCCD1}">
-                <a14:hiddenFill xmlns:a14="http://schemas.microsoft.com/office/drawing/2010/main" xmlns="">
+                <a14:hiddenFill xmlns="" xmlns:a14="http://schemas.microsoft.com/office/drawing/2010/main">
                   <a:solidFill>
                     <a:srgbClr val="FFFFFF"/>
                   </a:solidFill>
                 </a14:hiddenFill>
               </a:ext>
               <a:ext uri="{91240B29-F687-4f45-9708-019B960494DF}">
-                <a14:hiddenLine xmlns:a14="http://schemas.microsoft.com/office/drawing/2010/main" xmlns="" w="9525">
+                <a14:hiddenLine xmlns="" xmlns:a14="http://schemas.microsoft.com/office/drawing/2010/main" w="9525">
                   <a:solidFill>
                     <a:srgbClr val="000000"/>
                   </a:solidFill>
@@ -32151,7 +31783,7 @@
             </a:ln>
             <a:extLst>
               <a:ext uri="{909E8E84-426E-40dd-AFC4-6F175D3DCCD1}">
-                <a14:hiddenFill xmlns:a14="http://schemas.microsoft.com/office/drawing/2010/main" xmlns="">
+                <a14:hiddenFill xmlns="" xmlns:a14="http://schemas.microsoft.com/office/drawing/2010/main">
                   <a:noFill/>
                 </a14:hiddenFill>
               </a:ext>
@@ -32197,7 +31829,7 @@
             </a:ln>
             <a:extLst>
               <a:ext uri="{909E8E84-426E-40dd-AFC4-6F175D3DCCD1}">
-                <a14:hiddenFill xmlns:a14="http://schemas.microsoft.com/office/drawing/2010/main" xmlns="">
+                <a14:hiddenFill xmlns="" xmlns:a14="http://schemas.microsoft.com/office/drawing/2010/main">
                   <a:solidFill>
                     <a:srgbClr val="FFFFFF"/>
                   </a:solidFill>
@@ -32324,7 +31956,7 @@
 </p:sld>
 </file>
 
-<file path=ppt/slides/slide9.xml><?xml version="1.0" encoding="utf-8"?>
+<file path=ppt/slides/slide8.xml><?xml version="1.0" encoding="utf-8"?>
 <p:sld xmlns:a="http://schemas.openxmlformats.org/drawingml/2006/main" xmlns:r="http://schemas.openxmlformats.org/officeDocument/2006/relationships" xmlns:p="http://schemas.openxmlformats.org/presentationml/2006/main" show="0">
   <p:cSld>
     <p:spTree>
@@ -32999,6 +32631,257 @@
   <p:clrMapOvr>
     <a:masterClrMapping/>
   </p:clrMapOvr>
+</p:sld>
+</file>
+
+<file path=ppt/slides/slide9.xml><?xml version="1.0" encoding="utf-8"?>
+<p:sld xmlns:a="http://schemas.openxmlformats.org/drawingml/2006/main" xmlns:r="http://schemas.openxmlformats.org/officeDocument/2006/relationships" xmlns:p="http://schemas.openxmlformats.org/presentationml/2006/main">
+  <p:cSld>
+    <p:spTree>
+      <p:nvGrpSpPr>
+        <p:cNvPr id="1" name=""/>
+        <p:cNvGrpSpPr/>
+        <p:nvPr/>
+      </p:nvGrpSpPr>
+      <p:grpSpPr>
+        <a:xfrm>
+          <a:off x="0" y="0"/>
+          <a:ext cx="0" cy="0"/>
+          <a:chOff x="0" y="0"/>
+          <a:chExt cx="0" cy="0"/>
+        </a:xfrm>
+      </p:grpSpPr>
+      <p:sp>
+        <p:nvSpPr>
+          <p:cNvPr id="2" name="Title 1"/>
+          <p:cNvSpPr>
+            <a:spLocks noGrp="1"/>
+          </p:cNvSpPr>
+          <p:nvPr>
+            <p:ph type="title"/>
+          </p:nvPr>
+        </p:nvSpPr>
+        <p:spPr/>
+        <p:txBody>
+          <a:bodyPr/>
+          <a:lstStyle/>
+          <a:p>
+            <a:r>
+              <a:rPr lang="en-US" dirty="0"/>
+              <a:t>Dealing with Many Dimensions</a:t>
+            </a:r>
+          </a:p>
+        </p:txBody>
+      </p:sp>
+      <p:sp>
+        <p:nvSpPr>
+          <p:cNvPr id="3" name="Content Placeholder 2"/>
+          <p:cNvSpPr>
+            <a:spLocks noGrp="1"/>
+          </p:cNvSpPr>
+          <p:nvPr>
+            <p:ph idx="1"/>
+          </p:nvPr>
+        </p:nvSpPr>
+        <p:spPr>
+          <a:xfrm>
+            <a:off x="3869268" y="864108"/>
+            <a:ext cx="7768550" cy="5120640"/>
+          </a:xfrm>
+        </p:spPr>
+        <p:txBody>
+          <a:bodyPr anchor="t">
+            <a:normAutofit/>
+          </a:bodyPr>
+          <a:lstStyle/>
+          <a:p>
+            <a:r>
+              <a:rPr lang="en-US" sz="2800" b="1" dirty="0"/>
+              <a:t>Current situation</a:t>
+            </a:r>
+            <a:r>
+              <a:rPr lang="en-US" sz="2800" dirty="0"/>
+              <a:t>: our data live in </a:t>
+            </a:r>
+            <a:r>
+              <a:rPr lang="en-US" sz="2800" i="1" dirty="0"/>
+              <a:t>p</a:t>
+            </a:r>
+            <a:r>
+              <a:rPr lang="en-US" sz="2800" dirty="0"/>
+              <a:t>-dimensional space where p &gt;&gt; # visual channels</a:t>
+            </a:r>
+          </a:p>
+          <a:p>
+            <a:endParaRPr lang="en-US" sz="2800" b="1" dirty="0"/>
+          </a:p>
+          <a:p>
+            <a:r>
+              <a:rPr lang="en-US" sz="2800" dirty="0"/>
+              <a:t>Odds are not all dimensions are equally useful</a:t>
+            </a:r>
+          </a:p>
+          <a:p>
+            <a:pPr marL="0" indent="0">
+              <a:buNone/>
+            </a:pPr>
+            <a:r>
+              <a:rPr lang="en-US" sz="2800" dirty="0">
+                <a:sym typeface="Wingdings" pitchFamily="2" charset="2"/>
+              </a:rPr>
+              <a:t> w</a:t>
+            </a:r>
+            <a:r>
+              <a:rPr lang="en-US" sz="2800" dirty="0"/>
+              <a:t>e can reduce the number of dimensions without loosing too much valuable information  </a:t>
+            </a:r>
+          </a:p>
+          <a:p>
+            <a:endParaRPr lang="en-US" sz="2800" b="1" dirty="0"/>
+          </a:p>
+          <a:p>
+            <a:endParaRPr lang="en-US" sz="2800" b="1" dirty="0"/>
+          </a:p>
+        </p:txBody>
+      </p:sp>
+    </p:spTree>
+    <p:extLst>
+      <p:ext uri="{BB962C8B-B14F-4D97-AF65-F5344CB8AC3E}">
+        <p14:creationId xmlns:p14="http://schemas.microsoft.com/office/powerpoint/2010/main" val="3262929509"/>
+      </p:ext>
+    </p:extLst>
+  </p:cSld>
+  <p:clrMapOvr>
+    <a:masterClrMapping/>
+  </p:clrMapOvr>
+  <p:timing>
+    <p:tnLst>
+      <p:par>
+        <p:cTn id="1" dur="indefinite" restart="never" nodeType="tmRoot">
+          <p:childTnLst>
+            <p:seq concurrent="1" nextAc="seek">
+              <p:cTn id="2" dur="indefinite" nodeType="mainSeq">
+                <p:childTnLst>
+                  <p:par>
+                    <p:cTn id="3" fill="hold">
+                      <p:stCondLst>
+                        <p:cond delay="indefinite"/>
+                      </p:stCondLst>
+                      <p:childTnLst>
+                        <p:par>
+                          <p:cTn id="4" fill="hold">
+                            <p:stCondLst>
+                              <p:cond delay="0"/>
+                            </p:stCondLst>
+                            <p:childTnLst>
+                              <p:par>
+                                <p:cTn id="5" presetID="1" presetClass="entr" presetSubtype="0" fill="hold" nodeType="clickEffect">
+                                  <p:stCondLst>
+                                    <p:cond delay="0"/>
+                                  </p:stCondLst>
+                                  <p:childTnLst>
+                                    <p:set>
+                                      <p:cBhvr>
+                                        <p:cTn id="6" dur="1" fill="hold">
+                                          <p:stCondLst>
+                                            <p:cond delay="0"/>
+                                          </p:stCondLst>
+                                        </p:cTn>
+                                        <p:tgtEl>
+                                          <p:spTgt spid="3">
+                                            <p:txEl>
+                                              <p:pRg st="2" end="2"/>
+                                            </p:txEl>
+                                          </p:spTgt>
+                                        </p:tgtEl>
+                                        <p:attrNameLst>
+                                          <p:attrName>style.visibility</p:attrName>
+                                        </p:attrNameLst>
+                                      </p:cBhvr>
+                                      <p:to>
+                                        <p:strVal val="visible"/>
+                                      </p:to>
+                                    </p:set>
+                                  </p:childTnLst>
+                                </p:cTn>
+                              </p:par>
+                            </p:childTnLst>
+                          </p:cTn>
+                        </p:par>
+                      </p:childTnLst>
+                    </p:cTn>
+                  </p:par>
+                  <p:par>
+                    <p:cTn id="7" fill="hold">
+                      <p:stCondLst>
+                        <p:cond delay="indefinite"/>
+                      </p:stCondLst>
+                      <p:childTnLst>
+                        <p:par>
+                          <p:cTn id="8" fill="hold">
+                            <p:stCondLst>
+                              <p:cond delay="0"/>
+                            </p:stCondLst>
+                            <p:childTnLst>
+                              <p:par>
+                                <p:cTn id="9" presetID="1" presetClass="entr" presetSubtype="0" fill="hold" nodeType="clickEffect">
+                                  <p:stCondLst>
+                                    <p:cond delay="0"/>
+                                  </p:stCondLst>
+                                  <p:childTnLst>
+                                    <p:set>
+                                      <p:cBhvr>
+                                        <p:cTn id="10" dur="1" fill="hold">
+                                          <p:stCondLst>
+                                            <p:cond delay="0"/>
+                                          </p:stCondLst>
+                                        </p:cTn>
+                                        <p:tgtEl>
+                                          <p:spTgt spid="3">
+                                            <p:txEl>
+                                              <p:pRg st="3" end="3"/>
+                                            </p:txEl>
+                                          </p:spTgt>
+                                        </p:tgtEl>
+                                        <p:attrNameLst>
+                                          <p:attrName>style.visibility</p:attrName>
+                                        </p:attrNameLst>
+                                      </p:cBhvr>
+                                      <p:to>
+                                        <p:strVal val="visible"/>
+                                      </p:to>
+                                    </p:set>
+                                  </p:childTnLst>
+                                </p:cTn>
+                              </p:par>
+                            </p:childTnLst>
+                          </p:cTn>
+                        </p:par>
+                      </p:childTnLst>
+                    </p:cTn>
+                  </p:par>
+                </p:childTnLst>
+              </p:cTn>
+              <p:prevCondLst>
+                <p:cond evt="onPrev" delay="0">
+                  <p:tgtEl>
+                    <p:sldTgt/>
+                  </p:tgtEl>
+                </p:cond>
+              </p:prevCondLst>
+              <p:nextCondLst>
+                <p:cond evt="onNext" delay="0">
+                  <p:tgtEl>
+                    <p:sldTgt/>
+                  </p:tgtEl>
+                </p:cond>
+              </p:nextCondLst>
+            </p:seq>
+          </p:childTnLst>
+        </p:cTn>
+      </p:par>
+    </p:tnLst>
+  </p:timing>
 </p:sld>
 </file>
 
